--- a/trunk/techreports/2013/13-06/figures/sgseam-userguide-steps.pptx
+++ b/trunk/techreports/2013/13-06/figures/sgseam-userguide-steps.pptx
@@ -108,167 +108,85 @@
 </file>
 
 <file path=ppt/diagrams/colors1.xml><?xml version="1.0" encoding="utf-8"?>
-<dgm:colorsDef xmlns:dgm="http://schemas.openxmlformats.org/drawingml/2006/diagram" xmlns:a="http://schemas.openxmlformats.org/drawingml/2006/main" uniqueId="urn:microsoft.com/office/officeart/2005/8/colors/accent1_2">
+<dgm:colorsDef xmlns:dgm="http://schemas.openxmlformats.org/drawingml/2006/diagram" xmlns:a="http://schemas.openxmlformats.org/drawingml/2006/main" uniqueId="urn:microsoft.com/office/officeart/2005/8/colors/accent0_1">
   <dgm:title val=""/>
   <dgm:desc val=""/>
   <dgm:catLst>
-    <dgm:cat type="accent1" pri="11200"/>
+    <dgm:cat type="mainScheme" pri="10100"/>
   </dgm:catLst>
   <dgm:styleLbl name="node0">
     <dgm:fillClrLst meth="repeat">
-      <a:schemeClr val="accent1"/>
+      <a:schemeClr val="lt1"/>
     </dgm:fillClrLst>
     <dgm:linClrLst meth="repeat">
-      <a:schemeClr val="lt1"/>
+      <a:schemeClr val="dk1">
+        <a:shade val="80000"/>
+      </a:schemeClr>
     </dgm:linClrLst>
     <dgm:effectClrLst/>
     <dgm:txLinClrLst/>
-    <dgm:txFillClrLst/>
+    <dgm:txFillClrLst meth="repeat">
+      <a:schemeClr val="dk1"/>
+    </dgm:txFillClrLst>
     <dgm:txEffectClrLst/>
   </dgm:styleLbl>
-  <dgm:styleLbl name="alignNode1">
+  <dgm:styleLbl name="node1">
     <dgm:fillClrLst meth="repeat">
-      <a:schemeClr val="accent1"/>
+      <a:schemeClr val="lt1"/>
     </dgm:fillClrLst>
     <dgm:linClrLst meth="repeat">
-      <a:schemeClr val="accent1"/>
+      <a:schemeClr val="dk1">
+        <a:shade val="80000"/>
+      </a:schemeClr>
     </dgm:linClrLst>
     <dgm:effectClrLst/>
     <dgm:txLinClrLst/>
-    <dgm:txFillClrLst/>
+    <dgm:txFillClrLst meth="repeat">
+      <a:schemeClr val="dk1"/>
+    </dgm:txFillClrLst>
     <dgm:txEffectClrLst/>
   </dgm:styleLbl>
-  <dgm:styleLbl name="node1">
+  <dgm:styleLbl name="alignNode1">
     <dgm:fillClrLst meth="repeat">
-      <a:schemeClr val="accent1"/>
+      <a:schemeClr val="lt1"/>
     </dgm:fillClrLst>
     <dgm:linClrLst meth="repeat">
-      <a:schemeClr val="lt1"/>
+      <a:schemeClr val="dk1">
+        <a:shade val="80000"/>
+      </a:schemeClr>
     </dgm:linClrLst>
     <dgm:effectClrLst/>
     <dgm:txLinClrLst/>
-    <dgm:txFillClrLst/>
+    <dgm:txFillClrLst meth="repeat">
+      <a:schemeClr val="dk1"/>
+    </dgm:txFillClrLst>
     <dgm:txEffectClrLst/>
   </dgm:styleLbl>
   <dgm:styleLbl name="lnNode1">
     <dgm:fillClrLst meth="repeat">
-      <a:schemeClr val="accent1"/>
+      <a:schemeClr val="lt1"/>
     </dgm:fillClrLst>
     <dgm:linClrLst meth="repeat">
-      <a:schemeClr val="lt1"/>
+      <a:schemeClr val="dk1">
+        <a:shade val="80000"/>
+      </a:schemeClr>
     </dgm:linClrLst>
     <dgm:effectClrLst/>
     <dgm:txLinClrLst/>
-    <dgm:txFillClrLst/>
+    <dgm:txFillClrLst meth="repeat">
+      <a:schemeClr val="dk1"/>
+    </dgm:txFillClrLst>
     <dgm:txEffectClrLst/>
   </dgm:styleLbl>
   <dgm:styleLbl name="vennNode1">
     <dgm:fillClrLst meth="repeat">
-      <a:schemeClr val="accent1">
+      <a:schemeClr val="lt1">
         <a:alpha val="50000"/>
       </a:schemeClr>
     </dgm:fillClrLst>
     <dgm:linClrLst meth="repeat">
-      <a:schemeClr val="lt1"/>
-    </dgm:linClrLst>
-    <dgm:effectClrLst/>
-    <dgm:txLinClrLst/>
-    <dgm:txFillClrLst/>
-    <dgm:txEffectClrLst/>
-  </dgm:styleLbl>
-  <dgm:styleLbl name="node2">
-    <dgm:fillClrLst meth="repeat">
-      <a:schemeClr val="accent1"/>
-    </dgm:fillClrLst>
-    <dgm:linClrLst meth="repeat">
-      <a:schemeClr val="lt1"/>
-    </dgm:linClrLst>
-    <dgm:effectClrLst/>
-    <dgm:txLinClrLst/>
-    <dgm:txFillClrLst/>
-    <dgm:txEffectClrLst/>
-  </dgm:styleLbl>
-  <dgm:styleLbl name="node3">
-    <dgm:fillClrLst meth="repeat">
-      <a:schemeClr val="accent1"/>
-    </dgm:fillClrLst>
-    <dgm:linClrLst meth="repeat">
-      <a:schemeClr val="lt1"/>
-    </dgm:linClrLst>
-    <dgm:effectClrLst/>
-    <dgm:txLinClrLst/>
-    <dgm:txFillClrLst/>
-    <dgm:txEffectClrLst/>
-  </dgm:styleLbl>
-  <dgm:styleLbl name="node4">
-    <dgm:fillClrLst meth="repeat">
-      <a:schemeClr val="accent1"/>
-    </dgm:fillClrLst>
-    <dgm:linClrLst meth="repeat">
-      <a:schemeClr val="lt1"/>
-    </dgm:linClrLst>
-    <dgm:effectClrLst/>
-    <dgm:txLinClrLst/>
-    <dgm:txFillClrLst/>
-    <dgm:txEffectClrLst/>
-  </dgm:styleLbl>
-  <dgm:styleLbl name="fgImgPlace1">
-    <dgm:fillClrLst meth="repeat">
-      <a:schemeClr val="accent1">
-        <a:tint val="50000"/>
-      </a:schemeClr>
-    </dgm:fillClrLst>
-    <dgm:linClrLst meth="repeat">
-      <a:schemeClr val="lt1"/>
-    </dgm:linClrLst>
-    <dgm:effectClrLst/>
-    <dgm:txLinClrLst/>
-    <dgm:txFillClrLst meth="repeat">
-      <a:schemeClr val="lt1"/>
-    </dgm:txFillClrLst>
-    <dgm:txEffectClrLst/>
-  </dgm:styleLbl>
-  <dgm:styleLbl name="alignImgPlace1">
-    <dgm:fillClrLst meth="repeat">
-      <a:schemeClr val="accent1">
-        <a:tint val="50000"/>
-      </a:schemeClr>
-    </dgm:fillClrLst>
-    <dgm:linClrLst meth="repeat">
-      <a:schemeClr val="lt1"/>
-    </dgm:linClrLst>
-    <dgm:effectClrLst/>
-    <dgm:txLinClrLst/>
-    <dgm:txFillClrLst meth="repeat">
-      <a:schemeClr val="lt1"/>
-    </dgm:txFillClrLst>
-    <dgm:txEffectClrLst/>
-  </dgm:styleLbl>
-  <dgm:styleLbl name="bgImgPlace1">
-    <dgm:fillClrLst meth="repeat">
-      <a:schemeClr val="accent1">
-        <a:tint val="50000"/>
-      </a:schemeClr>
-    </dgm:fillClrLst>
-    <dgm:linClrLst meth="repeat">
-      <a:schemeClr val="lt1"/>
-    </dgm:linClrLst>
-    <dgm:effectClrLst/>
-    <dgm:txLinClrLst/>
-    <dgm:txFillClrLst meth="repeat">
-      <a:schemeClr val="lt1"/>
-    </dgm:txFillClrLst>
-    <dgm:txEffectClrLst/>
-  </dgm:styleLbl>
-  <dgm:styleLbl name="sibTrans2D1">
-    <dgm:fillClrLst meth="repeat">
-      <a:schemeClr val="accent1">
-        <a:tint val="60000"/>
-      </a:schemeClr>
-    </dgm:fillClrLst>
-    <dgm:linClrLst meth="repeat">
-      <a:schemeClr val="accent1">
-        <a:tint val="60000"/>
+      <a:schemeClr val="dk1">
+        <a:shade val="80000"/>
       </a:schemeClr>
     </dgm:linClrLst>
     <dgm:effectClrLst/>
@@ -276,137 +194,63 @@
     <dgm:txFillClrLst/>
     <dgm:txEffectClrLst/>
   </dgm:styleLbl>
-  <dgm:styleLbl name="fgSibTrans2D1">
+  <dgm:styleLbl name="node2">
     <dgm:fillClrLst meth="repeat">
-      <a:schemeClr val="accent1">
-        <a:tint val="60000"/>
-      </a:schemeClr>
+      <a:schemeClr val="lt1"/>
     </dgm:fillClrLst>
     <dgm:linClrLst meth="repeat">
-      <a:schemeClr val="accent1">
-        <a:tint val="60000"/>
-      </a:schemeClr>
-    </dgm:linClrLst>
-    <dgm:effectClrLst/>
-    <dgm:txLinClrLst/>
-    <dgm:txFillClrLst/>
-    <dgm:txEffectClrLst/>
-  </dgm:styleLbl>
-  <dgm:styleLbl name="bgSibTrans2D1">
-    <dgm:fillClrLst meth="repeat">
-      <a:schemeClr val="accent1">
-        <a:tint val="60000"/>
-      </a:schemeClr>
-    </dgm:fillClrLst>
-    <dgm:linClrLst meth="repeat">
-      <a:schemeClr val="accent1">
-        <a:tint val="60000"/>
-      </a:schemeClr>
-    </dgm:linClrLst>
-    <dgm:effectClrLst/>
-    <dgm:txLinClrLst/>
-    <dgm:txFillClrLst/>
-    <dgm:txEffectClrLst/>
-  </dgm:styleLbl>
-  <dgm:styleLbl name="sibTrans1D1">
-    <dgm:fillClrLst meth="repeat">
-      <a:schemeClr val="accent1"/>
-    </dgm:fillClrLst>
-    <dgm:linClrLst meth="repeat">
-      <a:schemeClr val="accent1"/>
-    </dgm:linClrLst>
-    <dgm:effectClrLst/>
-    <dgm:txLinClrLst/>
-    <dgm:txFillClrLst meth="repeat">
-      <a:schemeClr val="tx1"/>
-    </dgm:txFillClrLst>
-    <dgm:txEffectClrLst/>
-  </dgm:styleLbl>
-  <dgm:styleLbl name="callout">
-    <dgm:fillClrLst meth="repeat">
-      <a:schemeClr val="accent1"/>
-    </dgm:fillClrLst>
-    <dgm:linClrLst meth="repeat">
-      <a:schemeClr val="accent1">
-        <a:tint val="50000"/>
+      <a:schemeClr val="dk1">
+        <a:shade val="80000"/>
       </a:schemeClr>
     </dgm:linClrLst>
     <dgm:effectClrLst/>
     <dgm:txLinClrLst/>
     <dgm:txFillClrLst meth="repeat">
-      <a:schemeClr val="tx1"/>
+      <a:schemeClr val="dk1"/>
     </dgm:txFillClrLst>
     <dgm:txEffectClrLst/>
   </dgm:styleLbl>
-  <dgm:styleLbl name="asst0">
+  <dgm:styleLbl name="node3">
     <dgm:fillClrLst meth="repeat">
-      <a:schemeClr val="accent1"/>
+      <a:schemeClr val="lt1"/>
     </dgm:fillClrLst>
     <dgm:linClrLst meth="repeat">
-      <a:schemeClr val="lt1"/>
+      <a:schemeClr val="dk1">
+        <a:shade val="80000"/>
+      </a:schemeClr>
     </dgm:linClrLst>
     <dgm:effectClrLst/>
     <dgm:txLinClrLst/>
-    <dgm:txFillClrLst/>
+    <dgm:txFillClrLst meth="repeat">
+      <a:schemeClr val="dk1"/>
+    </dgm:txFillClrLst>
     <dgm:txEffectClrLst/>
   </dgm:styleLbl>
-  <dgm:styleLbl name="asst1">
+  <dgm:styleLbl name="node4">
     <dgm:fillClrLst meth="repeat">
-      <a:schemeClr val="accent1"/>
+      <a:schemeClr val="lt1"/>
     </dgm:fillClrLst>
     <dgm:linClrLst meth="repeat">
-      <a:schemeClr val="lt1"/>
+      <a:schemeClr val="dk1">
+        <a:shade val="80000"/>
+      </a:schemeClr>
     </dgm:linClrLst>
     <dgm:effectClrLst/>
     <dgm:txLinClrLst/>
-    <dgm:txFillClrLst/>
+    <dgm:txFillClrLst meth="repeat">
+      <a:schemeClr val="dk1"/>
+    </dgm:txFillClrLst>
     <dgm:txEffectClrLst/>
   </dgm:styleLbl>
-  <dgm:styleLbl name="asst2">
+  <dgm:styleLbl name="fgImgPlace1">
     <dgm:fillClrLst meth="repeat">
-      <a:schemeClr val="accent1"/>
-    </dgm:fillClrLst>
-    <dgm:linClrLst meth="repeat">
-      <a:schemeClr val="lt1"/>
-    </dgm:linClrLst>
-    <dgm:effectClrLst/>
-    <dgm:txLinClrLst/>
-    <dgm:txFillClrLst/>
-    <dgm:txEffectClrLst/>
-  </dgm:styleLbl>
-  <dgm:styleLbl name="asst3">
-    <dgm:fillClrLst meth="repeat">
-      <a:schemeClr val="accent1"/>
-    </dgm:fillClrLst>
-    <dgm:linClrLst meth="repeat">
-      <a:schemeClr val="lt1"/>
-    </dgm:linClrLst>
-    <dgm:effectClrLst/>
-    <dgm:txLinClrLst/>
-    <dgm:txFillClrLst/>
-    <dgm:txEffectClrLst/>
-  </dgm:styleLbl>
-  <dgm:styleLbl name="asst4">
-    <dgm:fillClrLst meth="repeat">
-      <a:schemeClr val="accent1"/>
-    </dgm:fillClrLst>
-    <dgm:linClrLst meth="repeat">
-      <a:schemeClr val="lt1"/>
-    </dgm:linClrLst>
-    <dgm:effectClrLst/>
-    <dgm:txLinClrLst/>
-    <dgm:txFillClrLst/>
-    <dgm:txEffectClrLst/>
-  </dgm:styleLbl>
-  <dgm:styleLbl name="parChTrans2D1">
-    <dgm:fillClrLst meth="repeat">
-      <a:schemeClr val="accent1">
-        <a:tint val="60000"/>
+      <a:schemeClr val="dk1">
+        <a:tint val="40000"/>
       </a:schemeClr>
     </dgm:fillClrLst>
     <dgm:linClrLst meth="repeat">
-      <a:schemeClr val="accent1">
-        <a:tint val="60000"/>
+      <a:schemeClr val="dk1">
+        <a:shade val="80000"/>
       </a:schemeClr>
     </dgm:linClrLst>
     <dgm:effectClrLst/>
@@ -416,12 +260,16 @@
     </dgm:txFillClrLst>
     <dgm:txEffectClrLst/>
   </dgm:styleLbl>
-  <dgm:styleLbl name="parChTrans2D2">
+  <dgm:styleLbl name="alignImgPlace1">
     <dgm:fillClrLst meth="repeat">
-      <a:schemeClr val="accent1"/>
+      <a:schemeClr val="dk1">
+        <a:tint val="40000"/>
+      </a:schemeClr>
     </dgm:fillClrLst>
     <dgm:linClrLst meth="repeat">
-      <a:schemeClr val="accent1"/>
+      <a:schemeClr val="dk1">
+        <a:shade val="80000"/>
+      </a:schemeClr>
     </dgm:linClrLst>
     <dgm:effectClrLst/>
     <dgm:txLinClrLst/>
@@ -430,12 +278,16 @@
     </dgm:txFillClrLst>
     <dgm:txEffectClrLst/>
   </dgm:styleLbl>
-  <dgm:styleLbl name="parChTrans2D3">
+  <dgm:styleLbl name="bgImgPlace1">
     <dgm:fillClrLst meth="repeat">
-      <a:schemeClr val="accent1"/>
+      <a:schemeClr val="dk1">
+        <a:tint val="40000"/>
+      </a:schemeClr>
     </dgm:fillClrLst>
     <dgm:linClrLst meth="repeat">
-      <a:schemeClr val="accent1"/>
+      <a:schemeClr val="dk1">
+        <a:shade val="80000"/>
+      </a:schemeClr>
     </dgm:linClrLst>
     <dgm:effectClrLst/>
     <dgm:txLinClrLst/>
@@ -444,12 +296,214 @@
     </dgm:txFillClrLst>
     <dgm:txEffectClrLst/>
   </dgm:styleLbl>
+  <dgm:styleLbl name="sibTrans2D1">
+    <dgm:fillClrLst meth="repeat">
+      <a:schemeClr val="dk1">
+        <a:tint val="60000"/>
+      </a:schemeClr>
+    </dgm:fillClrLst>
+    <dgm:linClrLst meth="repeat">
+      <a:schemeClr val="dk1">
+        <a:tint val="60000"/>
+      </a:schemeClr>
+    </dgm:linClrLst>
+    <dgm:effectClrLst/>
+    <dgm:txLinClrLst/>
+    <dgm:txFillClrLst meth="repeat">
+      <a:schemeClr val="dk1"/>
+    </dgm:txFillClrLst>
+    <dgm:txEffectClrLst/>
+  </dgm:styleLbl>
+  <dgm:styleLbl name="fgSibTrans2D1">
+    <dgm:fillClrLst meth="repeat">
+      <a:schemeClr val="dk1">
+        <a:tint val="60000"/>
+      </a:schemeClr>
+    </dgm:fillClrLst>
+    <dgm:linClrLst meth="repeat">
+      <a:schemeClr val="dk1">
+        <a:tint val="60000"/>
+      </a:schemeClr>
+    </dgm:linClrLst>
+    <dgm:effectClrLst/>
+    <dgm:txLinClrLst/>
+    <dgm:txFillClrLst meth="repeat">
+      <a:schemeClr val="dk1"/>
+    </dgm:txFillClrLst>
+    <dgm:txEffectClrLst/>
+  </dgm:styleLbl>
+  <dgm:styleLbl name="bgSibTrans2D1">
+    <dgm:fillClrLst meth="repeat">
+      <a:schemeClr val="dk1">
+        <a:tint val="60000"/>
+      </a:schemeClr>
+    </dgm:fillClrLst>
+    <dgm:linClrLst meth="repeat">
+      <a:schemeClr val="dk1">
+        <a:tint val="60000"/>
+      </a:schemeClr>
+    </dgm:linClrLst>
+    <dgm:effectClrLst/>
+    <dgm:txLinClrLst/>
+    <dgm:txFillClrLst meth="repeat">
+      <a:schemeClr val="dk1"/>
+    </dgm:txFillClrLst>
+    <dgm:txEffectClrLst/>
+  </dgm:styleLbl>
+  <dgm:styleLbl name="sibTrans1D1">
+    <dgm:fillClrLst meth="repeat">
+      <a:schemeClr val="dk1"/>
+    </dgm:fillClrLst>
+    <dgm:linClrLst meth="repeat">
+      <a:schemeClr val="dk1"/>
+    </dgm:linClrLst>
+    <dgm:effectClrLst/>
+    <dgm:txLinClrLst/>
+    <dgm:txFillClrLst meth="repeat">
+      <a:schemeClr val="tx1"/>
+    </dgm:txFillClrLst>
+    <dgm:txEffectClrLst/>
+  </dgm:styleLbl>
+  <dgm:styleLbl name="callout">
+    <dgm:fillClrLst meth="repeat">
+      <a:schemeClr val="dk1"/>
+    </dgm:fillClrLst>
+    <dgm:linClrLst meth="repeat">
+      <a:schemeClr val="dk1"/>
+    </dgm:linClrLst>
+    <dgm:effectClrLst/>
+    <dgm:txLinClrLst/>
+    <dgm:txFillClrLst meth="repeat">
+      <a:schemeClr val="tx1"/>
+    </dgm:txFillClrLst>
+    <dgm:txEffectClrLst/>
+  </dgm:styleLbl>
+  <dgm:styleLbl name="asst0">
+    <dgm:fillClrLst meth="repeat">
+      <a:schemeClr val="lt1"/>
+    </dgm:fillClrLst>
+    <dgm:linClrLst meth="repeat">
+      <a:schemeClr val="dk1">
+        <a:shade val="80000"/>
+      </a:schemeClr>
+    </dgm:linClrLst>
+    <dgm:effectClrLst/>
+    <dgm:txLinClrLst/>
+    <dgm:txFillClrLst meth="repeat">
+      <a:schemeClr val="dk1"/>
+    </dgm:txFillClrLst>
+    <dgm:txEffectClrLst/>
+  </dgm:styleLbl>
+  <dgm:styleLbl name="asst1">
+    <dgm:fillClrLst meth="repeat">
+      <a:schemeClr val="lt1"/>
+    </dgm:fillClrLst>
+    <dgm:linClrLst meth="repeat">
+      <a:schemeClr val="dk1">
+        <a:shade val="80000"/>
+      </a:schemeClr>
+    </dgm:linClrLst>
+    <dgm:effectClrLst/>
+    <dgm:txLinClrLst/>
+    <dgm:txFillClrLst meth="repeat">
+      <a:schemeClr val="dk1"/>
+    </dgm:txFillClrLst>
+    <dgm:txEffectClrLst/>
+  </dgm:styleLbl>
+  <dgm:styleLbl name="asst2">
+    <dgm:fillClrLst meth="repeat">
+      <a:schemeClr val="lt1"/>
+    </dgm:fillClrLst>
+    <dgm:linClrLst meth="repeat">
+      <a:schemeClr val="dk1">
+        <a:shade val="80000"/>
+      </a:schemeClr>
+    </dgm:linClrLst>
+    <dgm:effectClrLst/>
+    <dgm:txLinClrLst/>
+    <dgm:txFillClrLst meth="repeat">
+      <a:schemeClr val="dk1"/>
+    </dgm:txFillClrLst>
+    <dgm:txEffectClrLst/>
+  </dgm:styleLbl>
+  <dgm:styleLbl name="asst3">
+    <dgm:fillClrLst meth="repeat">
+      <a:schemeClr val="lt1"/>
+    </dgm:fillClrLst>
+    <dgm:linClrLst meth="repeat">
+      <a:schemeClr val="dk1">
+        <a:shade val="80000"/>
+      </a:schemeClr>
+    </dgm:linClrLst>
+    <dgm:effectClrLst/>
+    <dgm:txLinClrLst/>
+    <dgm:txFillClrLst meth="repeat">
+      <a:schemeClr val="dk1"/>
+    </dgm:txFillClrLst>
+    <dgm:txEffectClrLst/>
+  </dgm:styleLbl>
+  <dgm:styleLbl name="asst4">
+    <dgm:fillClrLst meth="repeat">
+      <a:schemeClr val="lt1"/>
+    </dgm:fillClrLst>
+    <dgm:linClrLst meth="repeat">
+      <a:schemeClr val="dk1">
+        <a:shade val="80000"/>
+      </a:schemeClr>
+    </dgm:linClrLst>
+    <dgm:effectClrLst/>
+    <dgm:txLinClrLst/>
+    <dgm:txFillClrLst meth="repeat">
+      <a:schemeClr val="dk1"/>
+    </dgm:txFillClrLst>
+    <dgm:txEffectClrLst/>
+  </dgm:styleLbl>
+  <dgm:styleLbl name="parChTrans2D1">
+    <dgm:fillClrLst meth="repeat">
+      <a:schemeClr val="dk1">
+        <a:tint val="60000"/>
+      </a:schemeClr>
+    </dgm:fillClrLst>
+    <dgm:linClrLst meth="repeat">
+      <a:schemeClr val="dk1">
+        <a:tint val="60000"/>
+      </a:schemeClr>
+    </dgm:linClrLst>
+    <dgm:effectClrLst/>
+    <dgm:txLinClrLst/>
+    <dgm:txFillClrLst/>
+    <dgm:txEffectClrLst/>
+  </dgm:styleLbl>
+  <dgm:styleLbl name="parChTrans2D2">
+    <dgm:fillClrLst meth="repeat">
+      <a:schemeClr val="dk1"/>
+    </dgm:fillClrLst>
+    <dgm:linClrLst meth="repeat">
+      <a:schemeClr val="dk1"/>
+    </dgm:linClrLst>
+    <dgm:effectClrLst/>
+    <dgm:txLinClrLst/>
+    <dgm:txFillClrLst/>
+    <dgm:txEffectClrLst/>
+  </dgm:styleLbl>
+  <dgm:styleLbl name="parChTrans2D3">
+    <dgm:fillClrLst meth="repeat">
+      <a:schemeClr val="dk1"/>
+    </dgm:fillClrLst>
+    <dgm:linClrLst meth="repeat">
+      <a:schemeClr val="dk1"/>
+    </dgm:linClrLst>
+    <dgm:effectClrLst/>
+    <dgm:txLinClrLst/>
+    <dgm:txFillClrLst/>
+    <dgm:txEffectClrLst/>
+  </dgm:styleLbl>
   <dgm:styleLbl name="parChTrans2D4">
     <dgm:fillClrLst meth="repeat">
-      <a:schemeClr val="accent1"/>
+      <a:schemeClr val="dk1"/>
     </dgm:fillClrLst>
     <dgm:linClrLst meth="repeat">
-      <a:schemeClr val="accent1"/>
+      <a:schemeClr val="dk1"/>
     </dgm:linClrLst>
     <dgm:effectClrLst/>
     <dgm:txLinClrLst/>
@@ -460,10 +514,10 @@
   </dgm:styleLbl>
   <dgm:styleLbl name="parChTrans1D1">
     <dgm:fillClrLst meth="repeat">
-      <a:schemeClr val="accent1"/>
+      <a:schemeClr val="dk1"/>
     </dgm:fillClrLst>
     <dgm:linClrLst meth="repeat">
-      <a:schemeClr val="accent1">
+      <a:schemeClr val="dk1">
         <a:shade val="60000"/>
       </a:schemeClr>
     </dgm:linClrLst>
@@ -476,10 +530,10 @@
   </dgm:styleLbl>
   <dgm:styleLbl name="parChTrans1D2">
     <dgm:fillClrLst meth="repeat">
-      <a:schemeClr val="accent1"/>
+      <a:schemeClr val="dk1"/>
     </dgm:fillClrLst>
     <dgm:linClrLst meth="repeat">
-      <a:schemeClr val="accent1">
+      <a:schemeClr val="dk1">
         <a:shade val="60000"/>
       </a:schemeClr>
     </dgm:linClrLst>
@@ -492,10 +546,10 @@
   </dgm:styleLbl>
   <dgm:styleLbl name="parChTrans1D3">
     <dgm:fillClrLst meth="repeat">
-      <a:schemeClr val="accent1"/>
+      <a:schemeClr val="dk1"/>
     </dgm:fillClrLst>
     <dgm:linClrLst meth="repeat">
-      <a:schemeClr val="accent1">
+      <a:schemeClr val="dk1">
         <a:shade val="80000"/>
       </a:schemeClr>
     </dgm:linClrLst>
@@ -508,10 +562,10 @@
   </dgm:styleLbl>
   <dgm:styleLbl name="parChTrans1D4">
     <dgm:fillClrLst meth="repeat">
-      <a:schemeClr val="accent1"/>
+      <a:schemeClr val="dk1"/>
     </dgm:fillClrLst>
     <dgm:linClrLst meth="repeat">
-      <a:schemeClr val="accent1">
+      <a:schemeClr val="dk1">
         <a:shade val="80000"/>
       </a:schemeClr>
     </dgm:linClrLst>
@@ -524,12 +578,13 @@
   </dgm:styleLbl>
   <dgm:styleLbl name="fgAcc1">
     <dgm:fillClrLst meth="repeat">
-      <a:schemeClr val="lt1">
+      <a:schemeClr val="dk1">
         <a:alpha val="90000"/>
+        <a:tint val="40000"/>
       </a:schemeClr>
     </dgm:fillClrLst>
     <dgm:linClrLst meth="repeat">
-      <a:schemeClr val="accent1"/>
+      <a:schemeClr val="dk1"/>
     </dgm:linClrLst>
     <dgm:effectClrLst/>
     <dgm:txLinClrLst/>
@@ -540,12 +595,13 @@
   </dgm:styleLbl>
   <dgm:styleLbl name="conFgAcc1">
     <dgm:fillClrLst meth="repeat">
-      <a:schemeClr val="lt1">
+      <a:schemeClr val="dk1">
         <a:alpha val="90000"/>
+        <a:tint val="40000"/>
       </a:schemeClr>
     </dgm:fillClrLst>
     <dgm:linClrLst meth="repeat">
-      <a:schemeClr val="accent1"/>
+      <a:schemeClr val="dk1"/>
     </dgm:linClrLst>
     <dgm:effectClrLst/>
     <dgm:txLinClrLst/>
@@ -556,12 +612,13 @@
   </dgm:styleLbl>
   <dgm:styleLbl name="alignAcc1">
     <dgm:fillClrLst meth="repeat">
-      <a:schemeClr val="lt1">
+      <a:schemeClr val="dk1">
         <a:alpha val="90000"/>
+        <a:tint val="40000"/>
       </a:schemeClr>
     </dgm:fillClrLst>
     <dgm:linClrLst meth="repeat">
-      <a:schemeClr val="accent1"/>
+      <a:schemeClr val="dk1"/>
     </dgm:linClrLst>
     <dgm:effectClrLst/>
     <dgm:txLinClrLst/>
@@ -572,12 +629,13 @@
   </dgm:styleLbl>
   <dgm:styleLbl name="trAlignAcc1">
     <dgm:fillClrLst meth="repeat">
-      <a:schemeClr val="lt1">
+      <a:schemeClr val="dk1">
         <a:alpha val="40000"/>
+        <a:tint val="40000"/>
       </a:schemeClr>
     </dgm:fillClrLst>
     <dgm:linClrLst meth="repeat">
-      <a:schemeClr val="accent1"/>
+      <a:schemeClr val="dk1"/>
     </dgm:linClrLst>
     <dgm:effectClrLst/>
     <dgm:txLinClrLst/>
@@ -588,12 +646,13 @@
   </dgm:styleLbl>
   <dgm:styleLbl name="bgAcc1">
     <dgm:fillClrLst meth="repeat">
-      <a:schemeClr val="lt1">
+      <a:schemeClr val="dk1">
         <a:alpha val="90000"/>
+        <a:tint val="40000"/>
       </a:schemeClr>
     </dgm:fillClrLst>
     <dgm:linClrLst meth="repeat">
-      <a:schemeClr val="accent1"/>
+      <a:schemeClr val="dk1"/>
     </dgm:linClrLst>
     <dgm:effectClrLst/>
     <dgm:txLinClrLst/>
@@ -607,7 +666,7 @@
       <a:schemeClr val="lt1"/>
     </dgm:fillClrLst>
     <dgm:linClrLst meth="repeat">
-      <a:schemeClr val="accent1"/>
+      <a:schemeClr val="dk1"/>
     </dgm:linClrLst>
     <dgm:effectClrLst/>
     <dgm:txLinClrLst/>
@@ -621,7 +680,7 @@
       <a:schemeClr val="lt1"/>
     </dgm:fillClrLst>
     <dgm:linClrLst meth="repeat">
-      <a:schemeClr val="accent1"/>
+      <a:schemeClr val="dk1"/>
     </dgm:linClrLst>
     <dgm:effectClrLst/>
     <dgm:txLinClrLst/>
@@ -635,7 +694,7 @@
       <a:schemeClr val="lt1"/>
     </dgm:fillClrLst>
     <dgm:linClrLst meth="repeat">
-      <a:schemeClr val="accent1"/>
+      <a:schemeClr val="dk1"/>
     </dgm:linClrLst>
     <dgm:effectClrLst/>
     <dgm:txLinClrLst/>
@@ -646,15 +705,14 @@
   </dgm:styleLbl>
   <dgm:styleLbl name="fgAccFollowNode1">
     <dgm:fillClrLst meth="repeat">
-      <a:schemeClr val="accent1">
+      <a:schemeClr val="lt1">
         <a:alpha val="90000"/>
         <a:tint val="40000"/>
       </a:schemeClr>
     </dgm:fillClrLst>
     <dgm:linClrLst meth="repeat">
-      <a:schemeClr val="accent1">
+      <a:schemeClr val="dk1">
         <a:alpha val="90000"/>
-        <a:tint val="40000"/>
       </a:schemeClr>
     </dgm:linClrLst>
     <dgm:effectClrLst/>
@@ -666,15 +724,14 @@
   </dgm:styleLbl>
   <dgm:styleLbl name="alignAccFollowNode1">
     <dgm:fillClrLst meth="repeat">
-      <a:schemeClr val="accent1">
+      <a:schemeClr val="lt1">
         <a:alpha val="90000"/>
         <a:tint val="40000"/>
       </a:schemeClr>
     </dgm:fillClrLst>
     <dgm:linClrLst meth="repeat">
-      <a:schemeClr val="accent1">
+      <a:schemeClr val="dk1">
         <a:alpha val="90000"/>
-        <a:tint val="40000"/>
       </a:schemeClr>
     </dgm:linClrLst>
     <dgm:effectClrLst/>
@@ -686,15 +743,14 @@
   </dgm:styleLbl>
   <dgm:styleLbl name="bgAccFollowNode1">
     <dgm:fillClrLst meth="repeat">
-      <a:schemeClr val="accent1">
+      <a:schemeClr val="lt1">
         <a:alpha val="90000"/>
         <a:tint val="40000"/>
       </a:schemeClr>
     </dgm:fillClrLst>
     <dgm:linClrLst meth="repeat">
-      <a:schemeClr val="accent1">
+      <a:schemeClr val="dk1">
         <a:alpha val="90000"/>
-        <a:tint val="40000"/>
       </a:schemeClr>
     </dgm:linClrLst>
     <dgm:effectClrLst/>
@@ -706,12 +762,13 @@
   </dgm:styleLbl>
   <dgm:styleLbl name="fgAcc0">
     <dgm:fillClrLst meth="repeat">
-      <a:schemeClr val="lt1">
+      <a:schemeClr val="dk1">
         <a:alpha val="90000"/>
+        <a:tint val="40000"/>
       </a:schemeClr>
     </dgm:fillClrLst>
     <dgm:linClrLst meth="repeat">
-      <a:schemeClr val="accent1"/>
+      <a:schemeClr val="dk1"/>
     </dgm:linClrLst>
     <dgm:effectClrLst/>
     <dgm:txLinClrLst/>
@@ -722,12 +779,13 @@
   </dgm:styleLbl>
   <dgm:styleLbl name="fgAcc2">
     <dgm:fillClrLst meth="repeat">
-      <a:schemeClr val="lt1">
+      <a:schemeClr val="dk1">
         <a:alpha val="90000"/>
+        <a:tint val="40000"/>
       </a:schemeClr>
     </dgm:fillClrLst>
     <dgm:linClrLst meth="repeat">
-      <a:schemeClr val="accent1"/>
+      <a:schemeClr val="dk1"/>
     </dgm:linClrLst>
     <dgm:effectClrLst/>
     <dgm:txLinClrLst/>
@@ -738,12 +796,13 @@
   </dgm:styleLbl>
   <dgm:styleLbl name="fgAcc3">
     <dgm:fillClrLst meth="repeat">
-      <a:schemeClr val="lt1">
+      <a:schemeClr val="dk1">
         <a:alpha val="90000"/>
+        <a:tint val="40000"/>
       </a:schemeClr>
     </dgm:fillClrLst>
     <dgm:linClrLst meth="repeat">
-      <a:schemeClr val="accent1"/>
+      <a:schemeClr val="dk1"/>
     </dgm:linClrLst>
     <dgm:effectClrLst/>
     <dgm:txLinClrLst/>
@@ -754,12 +813,13 @@
   </dgm:styleLbl>
   <dgm:styleLbl name="fgAcc4">
     <dgm:fillClrLst meth="repeat">
-      <a:schemeClr val="lt1">
+      <a:schemeClr val="dk1">
         <a:alpha val="90000"/>
+        <a:tint val="40000"/>
       </a:schemeClr>
     </dgm:fillClrLst>
     <dgm:linClrLst meth="repeat">
-      <a:schemeClr val="accent1"/>
+      <a:schemeClr val="dk1"/>
     </dgm:linClrLst>
     <dgm:effectClrLst/>
     <dgm:txLinClrLst/>
@@ -770,12 +830,12 @@
   </dgm:styleLbl>
   <dgm:styleLbl name="bgShp">
     <dgm:fillClrLst meth="repeat">
-      <a:schemeClr val="accent1">
+      <a:schemeClr val="dk1">
         <a:tint val="40000"/>
       </a:schemeClr>
     </dgm:fillClrLst>
     <dgm:linClrLst meth="repeat">
-      <a:schemeClr val="accent1"/>
+      <a:schemeClr val="dk1"/>
     </dgm:linClrLst>
     <dgm:effectClrLst/>
     <dgm:txLinClrLst/>
@@ -786,12 +846,12 @@
   </dgm:styleLbl>
   <dgm:styleLbl name="dkBgShp">
     <dgm:fillClrLst meth="repeat">
-      <a:schemeClr val="accent1">
+      <a:schemeClr val="dk1">
         <a:shade val="80000"/>
       </a:schemeClr>
     </dgm:fillClrLst>
     <dgm:linClrLst meth="repeat">
-      <a:schemeClr val="accent1"/>
+      <a:schemeClr val="dk1"/>
     </dgm:linClrLst>
     <dgm:effectClrLst/>
     <dgm:txLinClrLst/>
@@ -802,13 +862,13 @@
   </dgm:styleLbl>
   <dgm:styleLbl name="trBgShp">
     <dgm:fillClrLst meth="repeat">
-      <a:schemeClr val="accent1">
+      <a:schemeClr val="dk1">
         <a:tint val="50000"/>
         <a:alpha val="40000"/>
       </a:schemeClr>
     </dgm:fillClrLst>
     <dgm:linClrLst meth="repeat">
-      <a:schemeClr val="accent1"/>
+      <a:schemeClr val="dk1"/>
     </dgm:linClrLst>
     <dgm:effectClrLst/>
     <dgm:txLinClrLst/>
@@ -819,7 +879,7 @@
   </dgm:styleLbl>
   <dgm:styleLbl name="fgShp">
     <dgm:fillClrLst meth="repeat">
-      <a:schemeClr val="accent1">
+      <a:schemeClr val="dk1">
         <a:tint val="60000"/>
       </a:schemeClr>
     </dgm:fillClrLst>
@@ -858,39 +918,50 @@
 <dgm:dataModel xmlns:dgm="http://schemas.openxmlformats.org/drawingml/2006/diagram" xmlns:a="http://schemas.openxmlformats.org/drawingml/2006/main">
   <dgm:ptLst>
     <dgm:pt modelId="{EE6ED75A-4597-7547-A81D-876EB91A9385}" type="doc">
-      <dgm:prSet loTypeId="urn:microsoft.com/office/officeart/2005/8/layout/process1" loCatId="" qsTypeId="urn:microsoft.com/office/officeart/2005/8/quickstyle/simple4" qsCatId="simple" csTypeId="urn:microsoft.com/office/officeart/2005/8/colors/accent1_2" csCatId="accent1" phldr="1"/>
+      <dgm:prSet loTypeId="urn:microsoft.com/office/officeart/2005/8/layout/process1" loCatId="" qsTypeId="urn:microsoft.com/office/officeart/2005/8/quickstyle/simple3" qsCatId="simple" csTypeId="urn:microsoft.com/office/officeart/2005/8/colors/accent0_1" csCatId="mainScheme" phldr="1"/>
       <dgm:spPr/>
     </dgm:pt>
     <dgm:pt modelId="{93C87082-C978-9148-AC5F-1CD37A05623E}">
-      <dgm:prSet phldrT="[Text]" custT="1"/>
-      <dgm:spPr/>
+      <dgm:prSet phldrT="[Text]" custT="1">
+        <dgm:style>
+          <a:lnRef idx="1">
+            <a:schemeClr val="dk1"/>
+          </a:lnRef>
+          <a:fillRef idx="2">
+            <a:schemeClr val="dk1"/>
+          </a:fillRef>
+          <a:effectRef idx="1">
+            <a:schemeClr val="dk1"/>
+          </a:effectRef>
+          <a:fontRef idx="minor">
+            <a:schemeClr val="dk1"/>
+          </a:fontRef>
+        </dgm:style>
+      </dgm:prSet>
+      <dgm:spPr>
+        <a:effectLst>
+          <a:outerShdw blurRad="50800" dist="38100" dir="2700000" sx="102000" sy="102000" algn="tl" rotWithShape="0">
+            <a:prstClr val="black">
+              <a:alpha val="40000"/>
+            </a:prstClr>
+          </a:outerShdw>
+        </a:effectLst>
+      </dgm:spPr>
       <dgm:t>
         <a:bodyPr/>
         <a:lstStyle/>
         <a:p>
           <a:r>
-            <a:rPr lang="en-US" sz="2000" b="1" dirty="0" smtClean="0">
-              <a:solidFill>
-                <a:schemeClr val="tx1"/>
-              </a:solidFill>
-            </a:rPr>
+            <a:rPr lang="en-US" sz="2000" b="1" smtClean="0"/>
             <a:t>Step 1:</a:t>
           </a:r>
         </a:p>
         <a:p>
           <a:r>
-            <a:rPr lang="en-US" sz="2000" b="1" dirty="0" smtClean="0">
-              <a:solidFill>
-                <a:schemeClr val="tx1"/>
-              </a:solidFill>
-            </a:rPr>
+            <a:rPr lang="en-US" sz="2000" b="1" smtClean="0"/>
             <a:t>Plan Assessment</a:t>
           </a:r>
-          <a:endParaRPr lang="en-US" sz="2000" b="1" dirty="0">
-            <a:solidFill>
-              <a:schemeClr val="tx1"/>
-            </a:solidFill>
-          </a:endParaRPr>
+          <a:endParaRPr lang="en-US" sz="2000" b="1" dirty="0"/>
         </a:p>
       </dgm:t>
     </dgm:pt>
@@ -906,8 +977,31 @@
       </dgm:t>
     </dgm:pt>
     <dgm:pt modelId="{F0D1D0C7-A2BB-0147-BFC6-994C6928EE58}" type="sibTrans" cxnId="{AF4F0A1D-6187-F544-862B-6440ED457216}">
-      <dgm:prSet custT="1"/>
-      <dgm:spPr/>
+      <dgm:prSet custT="1">
+        <dgm:style>
+          <a:lnRef idx="1">
+            <a:schemeClr val="dk1"/>
+          </a:lnRef>
+          <a:fillRef idx="2">
+            <a:schemeClr val="dk1"/>
+          </a:fillRef>
+          <a:effectRef idx="1">
+            <a:schemeClr val="dk1"/>
+          </a:effectRef>
+          <a:fontRef idx="minor">
+            <a:schemeClr val="dk1"/>
+          </a:fontRef>
+        </dgm:style>
+      </dgm:prSet>
+      <dgm:spPr>
+        <a:effectLst>
+          <a:outerShdw blurRad="50800" dist="38100" dir="2700000" sx="102000" sy="102000" algn="tl" rotWithShape="0">
+            <a:prstClr val="black">
+              <a:alpha val="40000"/>
+            </a:prstClr>
+          </a:outerShdw>
+        </a:effectLst>
+      </dgm:spPr>
       <dgm:t>
         <a:bodyPr/>
         <a:lstStyle/>
@@ -917,35 +1011,46 @@
       </dgm:t>
     </dgm:pt>
     <dgm:pt modelId="{0DD03C4E-039B-F64F-A5ED-9F3F6C37F389}">
-      <dgm:prSet phldrT="[Text]" custT="1"/>
-      <dgm:spPr/>
+      <dgm:prSet phldrT="[Text]" custT="1">
+        <dgm:style>
+          <a:lnRef idx="1">
+            <a:schemeClr val="dk1"/>
+          </a:lnRef>
+          <a:fillRef idx="2">
+            <a:schemeClr val="dk1"/>
+          </a:fillRef>
+          <a:effectRef idx="1">
+            <a:schemeClr val="dk1"/>
+          </a:effectRef>
+          <a:fontRef idx="minor">
+            <a:schemeClr val="dk1"/>
+          </a:fontRef>
+        </dgm:style>
+      </dgm:prSet>
+      <dgm:spPr>
+        <a:effectLst>
+          <a:outerShdw blurRad="50800" dist="38100" dir="2700000" sx="102000" sy="102000" algn="tl" rotWithShape="0">
+            <a:prstClr val="black">
+              <a:alpha val="40000"/>
+            </a:prstClr>
+          </a:outerShdw>
+        </a:effectLst>
+      </dgm:spPr>
       <dgm:t>
         <a:bodyPr/>
         <a:lstStyle/>
         <a:p>
           <a:r>
-            <a:rPr lang="en-US" sz="2000" b="1" dirty="0" smtClean="0">
-              <a:solidFill>
-                <a:srgbClr val="000000"/>
-              </a:solidFill>
-            </a:rPr>
+            <a:rPr lang="en-US" sz="2000" b="1" smtClean="0"/>
             <a:t>Step 2:</a:t>
           </a:r>
         </a:p>
         <a:p>
           <a:r>
-            <a:rPr lang="en-US" sz="2000" b="1" dirty="0" smtClean="0">
-              <a:solidFill>
-                <a:srgbClr val="000000"/>
-              </a:solidFill>
-            </a:rPr>
+            <a:rPr lang="en-US" sz="2000" b="1" smtClean="0"/>
             <a:t>Gather Data</a:t>
           </a:r>
-          <a:endParaRPr lang="en-US" sz="2000" b="1" dirty="0">
-            <a:solidFill>
-              <a:srgbClr val="000000"/>
-            </a:solidFill>
-          </a:endParaRPr>
+          <a:endParaRPr lang="en-US" sz="2000" b="1" dirty="0"/>
         </a:p>
       </dgm:t>
     </dgm:pt>
@@ -961,8 +1066,31 @@
       </dgm:t>
     </dgm:pt>
     <dgm:pt modelId="{D7320DBF-F352-1F4C-B7B4-F3D3370FC5C2}" type="sibTrans" cxnId="{A5B2A051-1517-2446-AD20-D4988116B4A4}">
-      <dgm:prSet custT="1"/>
-      <dgm:spPr/>
+      <dgm:prSet custT="1">
+        <dgm:style>
+          <a:lnRef idx="1">
+            <a:schemeClr val="dk1"/>
+          </a:lnRef>
+          <a:fillRef idx="2">
+            <a:schemeClr val="dk1"/>
+          </a:fillRef>
+          <a:effectRef idx="1">
+            <a:schemeClr val="dk1"/>
+          </a:effectRef>
+          <a:fontRef idx="minor">
+            <a:schemeClr val="dk1"/>
+          </a:fontRef>
+        </dgm:style>
+      </dgm:prSet>
+      <dgm:spPr>
+        <a:effectLst>
+          <a:outerShdw blurRad="50800" dist="38100" dir="2700000" sx="102000" sy="102000" algn="tl" rotWithShape="0">
+            <a:prstClr val="black">
+              <a:alpha val="40000"/>
+            </a:prstClr>
+          </a:outerShdw>
+        </a:effectLst>
+      </dgm:spPr>
       <dgm:t>
         <a:bodyPr/>
         <a:lstStyle/>
@@ -972,8 +1100,31 @@
       </dgm:t>
     </dgm:pt>
     <dgm:pt modelId="{CED37743-4581-BE41-9E7F-365CD0AC71AB}">
-      <dgm:prSet phldrT="[Text]" custT="1"/>
-      <dgm:spPr/>
+      <dgm:prSet phldrT="[Text]" custT="1">
+        <dgm:style>
+          <a:lnRef idx="1">
+            <a:schemeClr val="dk1"/>
+          </a:lnRef>
+          <a:fillRef idx="2">
+            <a:schemeClr val="dk1"/>
+          </a:fillRef>
+          <a:effectRef idx="1">
+            <a:schemeClr val="dk1"/>
+          </a:effectRef>
+          <a:fontRef idx="minor">
+            <a:schemeClr val="dk1"/>
+          </a:fontRef>
+        </dgm:style>
+      </dgm:prSet>
+      <dgm:spPr>
+        <a:effectLst>
+          <a:outerShdw blurRad="50800" dist="38100" dir="2700000" sx="102000" sy="102000" algn="tl" rotWithShape="0">
+            <a:prstClr val="black">
+              <a:alpha val="40000"/>
+            </a:prstClr>
+          </a:outerShdw>
+        </a:effectLst>
+      </dgm:spPr>
       <dgm:t>
         <a:bodyPr/>
         <a:lstStyle/>
@@ -1009,8 +1160,31 @@
       </dgm:t>
     </dgm:pt>
     <dgm:pt modelId="{FE6E6F60-E623-C940-A32A-2CABC9C93320}">
-      <dgm:prSet phldrT="[Text]" custT="1"/>
-      <dgm:spPr/>
+      <dgm:prSet phldrT="[Text]" custT="1">
+        <dgm:style>
+          <a:lnRef idx="1">
+            <a:schemeClr val="dk1"/>
+          </a:lnRef>
+          <a:fillRef idx="2">
+            <a:schemeClr val="dk1"/>
+          </a:fillRef>
+          <a:effectRef idx="1">
+            <a:schemeClr val="dk1"/>
+          </a:effectRef>
+          <a:fontRef idx="minor">
+            <a:schemeClr val="dk1"/>
+          </a:fontRef>
+        </dgm:style>
+      </dgm:prSet>
+      <dgm:spPr>
+        <a:effectLst>
+          <a:outerShdw blurRad="50800" dist="38100" dir="2700000" sx="102000" sy="102000" algn="tl" rotWithShape="0">
+            <a:prstClr val="black">
+              <a:alpha val="40000"/>
+            </a:prstClr>
+          </a:outerShdw>
+        </a:effectLst>
+      </dgm:spPr>
       <dgm:t>
         <a:bodyPr/>
         <a:lstStyle/>
@@ -1046,8 +1220,31 @@
       </dgm:t>
     </dgm:pt>
     <dgm:pt modelId="{F70C00D6-A907-054F-8C16-E1E2082C694C}">
-      <dgm:prSet phldrT="[Text]" custT="1"/>
-      <dgm:spPr/>
+      <dgm:prSet phldrT="[Text]" custT="1">
+        <dgm:style>
+          <a:lnRef idx="1">
+            <a:schemeClr val="dk1"/>
+          </a:lnRef>
+          <a:fillRef idx="2">
+            <a:schemeClr val="dk1"/>
+          </a:fillRef>
+          <a:effectRef idx="1">
+            <a:schemeClr val="dk1"/>
+          </a:effectRef>
+          <a:fontRef idx="minor">
+            <a:schemeClr val="dk1"/>
+          </a:fontRef>
+        </dgm:style>
+      </dgm:prSet>
+      <dgm:spPr>
+        <a:effectLst>
+          <a:outerShdw blurRad="50800" dist="38100" dir="2700000" sx="102000" sy="102000" algn="tl" rotWithShape="0">
+            <a:prstClr val="black">
+              <a:alpha val="40000"/>
+            </a:prstClr>
+          </a:outerShdw>
+        </a:effectLst>
+      </dgm:spPr>
       <dgm:t>
         <a:bodyPr/>
         <a:lstStyle/>
@@ -1083,8 +1280,31 @@
       </dgm:t>
     </dgm:pt>
     <dgm:pt modelId="{91F8FE84-1337-4047-A5E3-08B4DFB281D4}">
-      <dgm:prSet phldrT="[Text]" custT="1"/>
-      <dgm:spPr/>
+      <dgm:prSet phldrT="[Text]" custT="1">
+        <dgm:style>
+          <a:lnRef idx="1">
+            <a:schemeClr val="dk1"/>
+          </a:lnRef>
+          <a:fillRef idx="2">
+            <a:schemeClr val="dk1"/>
+          </a:fillRef>
+          <a:effectRef idx="1">
+            <a:schemeClr val="dk1"/>
+          </a:effectRef>
+          <a:fontRef idx="minor">
+            <a:schemeClr val="dk1"/>
+          </a:fontRef>
+        </dgm:style>
+      </dgm:prSet>
+      <dgm:spPr>
+        <a:effectLst>
+          <a:outerShdw blurRad="50800" dist="38100" dir="2700000" sx="102000" sy="102000" algn="tl" rotWithShape="0">
+            <a:prstClr val="black">
+              <a:alpha val="40000"/>
+            </a:prstClr>
+          </a:outerShdw>
+        </a:effectLst>
+      </dgm:spPr>
       <dgm:t>
         <a:bodyPr/>
         <a:lstStyle/>
@@ -1120,8 +1340,31 @@
       </dgm:t>
     </dgm:pt>
     <dgm:pt modelId="{0FB0D1E4-A711-D042-AF27-6C6C1723D09A}">
-      <dgm:prSet phldrT="[Text]" custT="1"/>
-      <dgm:spPr/>
+      <dgm:prSet phldrT="[Text]" custT="1">
+        <dgm:style>
+          <a:lnRef idx="1">
+            <a:schemeClr val="dk1"/>
+          </a:lnRef>
+          <a:fillRef idx="2">
+            <a:schemeClr val="dk1"/>
+          </a:fillRef>
+          <a:effectRef idx="1">
+            <a:schemeClr val="dk1"/>
+          </a:effectRef>
+          <a:fontRef idx="minor">
+            <a:schemeClr val="dk1"/>
+          </a:fontRef>
+        </dgm:style>
+      </dgm:prSet>
+      <dgm:spPr>
+        <a:effectLst>
+          <a:outerShdw blurRad="50800" dist="38100" dir="2700000" sx="102000" sy="102000" algn="tl" rotWithShape="0">
+            <a:prstClr val="black">
+              <a:alpha val="40000"/>
+            </a:prstClr>
+          </a:outerShdw>
+        </a:effectLst>
+      </dgm:spPr>
       <dgm:t>
         <a:bodyPr/>
         <a:lstStyle/>
@@ -1157,8 +1400,31 @@
       </dgm:t>
     </dgm:pt>
     <dgm:pt modelId="{FE73098B-EADD-FE4C-B2CC-65F225D7E366}">
-      <dgm:prSet phldrT="[Text]" custT="1"/>
-      <dgm:spPr/>
+      <dgm:prSet phldrT="[Text]" custT="1">
+        <dgm:style>
+          <a:lnRef idx="1">
+            <a:schemeClr val="dk1"/>
+          </a:lnRef>
+          <a:fillRef idx="2">
+            <a:schemeClr val="dk1"/>
+          </a:fillRef>
+          <a:effectRef idx="1">
+            <a:schemeClr val="dk1"/>
+          </a:effectRef>
+          <a:fontRef idx="minor">
+            <a:schemeClr val="dk1"/>
+          </a:fontRef>
+        </dgm:style>
+      </dgm:prSet>
+      <dgm:spPr>
+        <a:effectLst>
+          <a:outerShdw blurRad="50800" dist="38100" dir="2700000" sx="102000" sy="102000" algn="tl" rotWithShape="0">
+            <a:prstClr val="black">
+              <a:alpha val="40000"/>
+            </a:prstClr>
+          </a:outerShdw>
+        </a:effectLst>
+      </dgm:spPr>
       <dgm:t>
         <a:bodyPr/>
         <a:lstStyle/>
@@ -1194,35 +1460,46 @@
       </dgm:t>
     </dgm:pt>
     <dgm:pt modelId="{883288A5-2754-9145-A9D5-F9D0BA03BE85}">
-      <dgm:prSet phldrT="[Text]" custT="1"/>
-      <dgm:spPr/>
+      <dgm:prSet phldrT="[Text]" custT="1">
+        <dgm:style>
+          <a:lnRef idx="1">
+            <a:schemeClr val="dk1"/>
+          </a:lnRef>
+          <a:fillRef idx="2">
+            <a:schemeClr val="dk1"/>
+          </a:fillRef>
+          <a:effectRef idx="1">
+            <a:schemeClr val="dk1"/>
+          </a:effectRef>
+          <a:fontRef idx="minor">
+            <a:schemeClr val="dk1"/>
+          </a:fontRef>
+        </dgm:style>
+      </dgm:prSet>
+      <dgm:spPr>
+        <a:effectLst>
+          <a:outerShdw blurRad="50800" dist="38100" dir="2700000" sx="102000" sy="102000" algn="tl" rotWithShape="0">
+            <a:prstClr val="black">
+              <a:alpha val="40000"/>
+            </a:prstClr>
+          </a:outerShdw>
+        </a:effectLst>
+      </dgm:spPr>
       <dgm:t>
         <a:bodyPr/>
         <a:lstStyle/>
         <a:p>
           <a:r>
-            <a:rPr lang="en-US" sz="2000" b="1" dirty="0" smtClean="0">
-              <a:solidFill>
-                <a:srgbClr val="000000"/>
-              </a:solidFill>
-            </a:rPr>
+            <a:rPr lang="en-US" sz="2000" b="1" smtClean="0"/>
             <a:t>Step 3:</a:t>
           </a:r>
         </a:p>
         <a:p>
           <a:r>
-            <a:rPr lang="en-US" sz="2000" b="1" dirty="0" smtClean="0">
-              <a:solidFill>
-                <a:srgbClr val="000000"/>
-              </a:solidFill>
-            </a:rPr>
+            <a:rPr lang="en-US" sz="2000" b="1" smtClean="0"/>
             <a:t>Produce Report</a:t>
           </a:r>
-          <a:endParaRPr lang="en-US" sz="2000" b="1" dirty="0">
-            <a:solidFill>
-              <a:srgbClr val="000000"/>
-            </a:solidFill>
-          </a:endParaRPr>
+          <a:endParaRPr lang="en-US" sz="2000" b="1" dirty="0"/>
         </a:p>
       </dgm:t>
     </dgm:pt>
@@ -1249,8 +1526,31 @@
       </dgm:t>
     </dgm:pt>
     <dgm:pt modelId="{4A4299AF-7CA0-6241-AFB2-6E4E39DDF3CA}">
-      <dgm:prSet phldrT="[Text]" custT="1"/>
-      <dgm:spPr/>
+      <dgm:prSet phldrT="[Text]" custT="1">
+        <dgm:style>
+          <a:lnRef idx="1">
+            <a:schemeClr val="dk1"/>
+          </a:lnRef>
+          <a:fillRef idx="2">
+            <a:schemeClr val="dk1"/>
+          </a:fillRef>
+          <a:effectRef idx="1">
+            <a:schemeClr val="dk1"/>
+          </a:effectRef>
+          <a:fontRef idx="minor">
+            <a:schemeClr val="dk1"/>
+          </a:fontRef>
+        </dgm:style>
+      </dgm:prSet>
+      <dgm:spPr>
+        <a:effectLst>
+          <a:outerShdw blurRad="50800" dist="38100" dir="2700000" sx="102000" sy="102000" algn="tl" rotWithShape="0">
+            <a:prstClr val="black">
+              <a:alpha val="40000"/>
+            </a:prstClr>
+          </a:outerShdw>
+        </a:effectLst>
+      </dgm:spPr>
       <dgm:t>
         <a:bodyPr/>
         <a:lstStyle/>
@@ -1286,8 +1586,31 @@
       </dgm:t>
     </dgm:pt>
     <dgm:pt modelId="{439C04A7-14DC-B744-9D67-5AC95D70F6E4}">
-      <dgm:prSet phldrT="[Text]" custT="1"/>
-      <dgm:spPr/>
+      <dgm:prSet phldrT="[Text]" custT="1">
+        <dgm:style>
+          <a:lnRef idx="1">
+            <a:schemeClr val="dk1"/>
+          </a:lnRef>
+          <a:fillRef idx="2">
+            <a:schemeClr val="dk1"/>
+          </a:fillRef>
+          <a:effectRef idx="1">
+            <a:schemeClr val="dk1"/>
+          </a:effectRef>
+          <a:fontRef idx="minor">
+            <a:schemeClr val="dk1"/>
+          </a:fontRef>
+        </dgm:style>
+      </dgm:prSet>
+      <dgm:spPr>
+        <a:effectLst>
+          <a:outerShdw blurRad="50800" dist="38100" dir="2700000" sx="102000" sy="102000" algn="tl" rotWithShape="0">
+            <a:prstClr val="black">
+              <a:alpha val="40000"/>
+            </a:prstClr>
+          </a:outerShdw>
+        </a:effectLst>
+      </dgm:spPr>
       <dgm:t>
         <a:bodyPr/>
         <a:lstStyle/>
@@ -1323,8 +1646,31 @@
       </dgm:t>
     </dgm:pt>
     <dgm:pt modelId="{754F7C9A-7746-C740-AC2D-F15CA60FD8EB}">
-      <dgm:prSet phldrT="[Text]" custT="1"/>
-      <dgm:spPr/>
+      <dgm:prSet phldrT="[Text]" custT="1">
+        <dgm:style>
+          <a:lnRef idx="1">
+            <a:schemeClr val="dk1"/>
+          </a:lnRef>
+          <a:fillRef idx="2">
+            <a:schemeClr val="dk1"/>
+          </a:fillRef>
+          <a:effectRef idx="1">
+            <a:schemeClr val="dk1"/>
+          </a:effectRef>
+          <a:fontRef idx="minor">
+            <a:schemeClr val="dk1"/>
+          </a:fontRef>
+        </dgm:style>
+      </dgm:prSet>
+      <dgm:spPr>
+        <a:effectLst>
+          <a:outerShdw blurRad="50800" dist="38100" dir="2700000" sx="102000" sy="102000" algn="tl" rotWithShape="0">
+            <a:prstClr val="black">
+              <a:alpha val="40000"/>
+            </a:prstClr>
+          </a:outerShdw>
+        </a:effectLst>
+      </dgm:spPr>
       <dgm:t>
         <a:bodyPr/>
         <a:lstStyle/>
@@ -1386,10 +1732,24 @@
     <dgm:pt modelId="{2FAAA329-69D9-EA4D-B7C5-F273B80E5760}" type="pres">
       <dgm:prSet presAssocID="{F0D1D0C7-A2BB-0147-BFC6-994C6928EE58}" presName="sibTrans" presStyleLbl="sibTrans2D1" presStyleIdx="0" presStyleCnt="2"/>
       <dgm:spPr/>
+      <dgm:t>
+        <a:bodyPr/>
+        <a:lstStyle/>
+        <a:p>
+          <a:endParaRPr lang="en-US"/>
+        </a:p>
+      </dgm:t>
     </dgm:pt>
     <dgm:pt modelId="{86A4BBAF-DAB3-8B4E-8F36-B724F02091A9}" type="pres">
       <dgm:prSet presAssocID="{F0D1D0C7-A2BB-0147-BFC6-994C6928EE58}" presName="connectorText" presStyleLbl="sibTrans2D1" presStyleIdx="0" presStyleCnt="2"/>
       <dgm:spPr/>
+      <dgm:t>
+        <a:bodyPr/>
+        <a:lstStyle/>
+        <a:p>
+          <a:endParaRPr lang="en-US"/>
+        </a:p>
+      </dgm:t>
     </dgm:pt>
     <dgm:pt modelId="{A72ED4E5-185A-334D-AF75-4E2C72EDF1D7}" type="pres">
       <dgm:prSet presAssocID="{0DD03C4E-039B-F64F-A5ED-9F3F6C37F389}" presName="node" presStyleLbl="node1" presStyleIdx="1" presStyleCnt="3">
@@ -1409,10 +1769,24 @@
     <dgm:pt modelId="{6D7DF168-A745-F44E-82D0-CD09CC1BCFF2}" type="pres">
       <dgm:prSet presAssocID="{D7320DBF-F352-1F4C-B7B4-F3D3370FC5C2}" presName="sibTrans" presStyleLbl="sibTrans2D1" presStyleIdx="1" presStyleCnt="2"/>
       <dgm:spPr/>
+      <dgm:t>
+        <a:bodyPr/>
+        <a:lstStyle/>
+        <a:p>
+          <a:endParaRPr lang="en-US"/>
+        </a:p>
+      </dgm:t>
     </dgm:pt>
     <dgm:pt modelId="{8180A515-E02D-5C43-AA6D-DB8702B27852}" type="pres">
       <dgm:prSet presAssocID="{D7320DBF-F352-1F4C-B7B4-F3D3370FC5C2}" presName="connectorText" presStyleLbl="sibTrans2D1" presStyleIdx="1" presStyleCnt="2"/>
       <dgm:spPr/>
+      <dgm:t>
+        <a:bodyPr/>
+        <a:lstStyle/>
+        <a:p>
+          <a:endParaRPr lang="en-US"/>
+        </a:p>
+      </dgm:t>
     </dgm:pt>
     <dgm:pt modelId="{A40A3E86-DC86-6040-993A-2C3164EBD86A}" type="pres">
       <dgm:prSet presAssocID="{883288A5-2754-9145-A9D5-F9D0BA03BE85}" presName="node" presStyleLbl="node1" presStyleIdx="2" presStyleCnt="3">
@@ -1431,35 +1805,35 @@
     </dgm:pt>
   </dgm:ptLst>
   <dgm:cxnLst>
+    <dgm:cxn modelId="{809BF21C-7F9A-7D4C-B16D-B78C9F3D17FE}" type="presOf" srcId="{F0D1D0C7-A2BB-0147-BFC6-994C6928EE58}" destId="{2FAAA329-69D9-EA4D-B7C5-F273B80E5760}" srcOrd="0" destOrd="0" presId="urn:microsoft.com/office/officeart/2005/8/layout/process1"/>
+    <dgm:cxn modelId="{AF4F0A1D-6187-F544-862B-6440ED457216}" srcId="{EE6ED75A-4597-7547-A81D-876EB91A9385}" destId="{93C87082-C978-9148-AC5F-1CD37A05623E}" srcOrd="0" destOrd="0" parTransId="{C3CCF1D3-656A-0C43-9677-F6F6B41DF11D}" sibTransId="{F0D1D0C7-A2BB-0147-BFC6-994C6928EE58}"/>
+    <dgm:cxn modelId="{CB0A728A-0468-3E41-9B71-37E8D6CC1E65}" srcId="{883288A5-2754-9145-A9D5-F9D0BA03BE85}" destId="{439C04A7-14DC-B744-9D67-5AC95D70F6E4}" srcOrd="1" destOrd="0" parTransId="{290C1CC5-FF66-3146-B1FF-C0DC6B071630}" sibTransId="{93271C81-211F-8B4E-AA64-A36C14FDF587}"/>
+    <dgm:cxn modelId="{8D44AFB3-6352-4E4C-BC63-41A41AA0382D}" type="presOf" srcId="{D7320DBF-F352-1F4C-B7B4-F3D3370FC5C2}" destId="{6D7DF168-A745-F44E-82D0-CD09CC1BCFF2}" srcOrd="0" destOrd="0" presId="urn:microsoft.com/office/officeart/2005/8/layout/process1"/>
+    <dgm:cxn modelId="{9E251FED-29DF-EC46-86FE-362D8AE54B7F}" type="presOf" srcId="{91F8FE84-1337-4047-A5E3-08B4DFB281D4}" destId="{A72ED4E5-185A-334D-AF75-4E2C72EDF1D7}" srcOrd="0" destOrd="1" presId="urn:microsoft.com/office/officeart/2005/8/layout/process1"/>
+    <dgm:cxn modelId="{7438EBE9-3D3C-AA42-86EC-46C72A9CA1CF}" srcId="{0DD03C4E-039B-F64F-A5ED-9F3F6C37F389}" destId="{0FB0D1E4-A711-D042-AF27-6C6C1723D09A}" srcOrd="1" destOrd="0" parTransId="{8479D09D-6E78-AD48-B116-A603AD3AE04A}" sibTransId="{3E1D1872-EA92-C149-A627-9372147C8564}"/>
+    <dgm:cxn modelId="{D5FD634F-A349-7A4C-AB04-890B3451E2C8}" srcId="{883288A5-2754-9145-A9D5-F9D0BA03BE85}" destId="{754F7C9A-7746-C740-AC2D-F15CA60FD8EB}" srcOrd="2" destOrd="0" parTransId="{E2F1FFE9-4AF4-BA46-9644-14A515C04231}" sibTransId="{6AD537BD-2E31-7847-8542-06C6B93DE77D}"/>
+    <dgm:cxn modelId="{2ADE675E-31F3-3B4F-8B8D-4DACF46EE6D4}" type="presOf" srcId="{0FB0D1E4-A711-D042-AF27-6C6C1723D09A}" destId="{A72ED4E5-185A-334D-AF75-4E2C72EDF1D7}" srcOrd="0" destOrd="2" presId="urn:microsoft.com/office/officeart/2005/8/layout/process1"/>
+    <dgm:cxn modelId="{9C3F986B-4185-E745-ACF3-066D49E15D05}" srcId="{93C87082-C978-9148-AC5F-1CD37A05623E}" destId="{CED37743-4581-BE41-9E7F-365CD0AC71AB}" srcOrd="0" destOrd="0" parTransId="{8032F10C-D597-A94A-A18F-93F1DC121FB7}" sibTransId="{270C84AB-EA64-CD43-8BA0-2115A2CF5FC8}"/>
+    <dgm:cxn modelId="{411140A1-4243-D444-8BB4-B7018617FF4E}" type="presOf" srcId="{CED37743-4581-BE41-9E7F-365CD0AC71AB}" destId="{7C8FAA48-E2B7-094C-88D9-5E5B177809D5}" srcOrd="0" destOrd="1" presId="urn:microsoft.com/office/officeart/2005/8/layout/process1"/>
+    <dgm:cxn modelId="{1FCA0FFF-BF68-944A-89F0-2AC02A40C70D}" srcId="{0DD03C4E-039B-F64F-A5ED-9F3F6C37F389}" destId="{FE73098B-EADD-FE4C-B2CC-65F225D7E366}" srcOrd="2" destOrd="0" parTransId="{6A825C6D-0D4C-F444-AEA0-8411C990F9EC}" sibTransId="{A8BFF42F-253D-214B-9A0B-3A44C8EFA4B4}"/>
+    <dgm:cxn modelId="{E0702D1C-5023-9E4D-8D24-5E20BF955E7D}" type="presOf" srcId="{439C04A7-14DC-B744-9D67-5AC95D70F6E4}" destId="{A40A3E86-DC86-6040-993A-2C3164EBD86A}" srcOrd="0" destOrd="2" presId="urn:microsoft.com/office/officeart/2005/8/layout/process1"/>
+    <dgm:cxn modelId="{C7D9EB03-2D48-0241-A574-C4A8547C107F}" type="presOf" srcId="{93C87082-C978-9148-AC5F-1CD37A05623E}" destId="{7C8FAA48-E2B7-094C-88D9-5E5B177809D5}" srcOrd="0" destOrd="0" presId="urn:microsoft.com/office/officeart/2005/8/layout/process1"/>
+    <dgm:cxn modelId="{A5B2A051-1517-2446-AD20-D4988116B4A4}" srcId="{EE6ED75A-4597-7547-A81D-876EB91A9385}" destId="{0DD03C4E-039B-F64F-A5ED-9F3F6C37F389}" srcOrd="1" destOrd="0" parTransId="{7DC0B663-30F5-864E-950D-136D5196E720}" sibTransId="{D7320DBF-F352-1F4C-B7B4-F3D3370FC5C2}"/>
+    <dgm:cxn modelId="{2134B228-A7CE-F344-8906-3BAE070EFF30}" srcId="{93C87082-C978-9148-AC5F-1CD37A05623E}" destId="{F70C00D6-A907-054F-8C16-E1E2082C694C}" srcOrd="2" destOrd="0" parTransId="{6672C9BA-4ABF-3843-BA1F-B864DC9A6D93}" sibTransId="{9E23234D-FB00-8A47-844D-D084A286CAA0}"/>
+    <dgm:cxn modelId="{ED2EEA2D-9209-2C41-8E57-8E02EC6D69DA}" type="presOf" srcId="{F0D1D0C7-A2BB-0147-BFC6-994C6928EE58}" destId="{86A4BBAF-DAB3-8B4E-8F36-B724F02091A9}" srcOrd="1" destOrd="0" presId="urn:microsoft.com/office/officeart/2005/8/layout/process1"/>
+    <dgm:cxn modelId="{0A2D6371-DC7A-2A46-9A67-A1506F04C712}" type="presOf" srcId="{EE6ED75A-4597-7547-A81D-876EB91A9385}" destId="{5A7C381E-9458-9640-A04F-4B39A5489543}" srcOrd="0" destOrd="0" presId="urn:microsoft.com/office/officeart/2005/8/layout/process1"/>
+    <dgm:cxn modelId="{4026129B-65D8-0E49-B09C-7A7D3F0AB60E}" srcId="{93C87082-C978-9148-AC5F-1CD37A05623E}" destId="{FE6E6F60-E623-C940-A32A-2CABC9C93320}" srcOrd="1" destOrd="0" parTransId="{1B8CAEB7-7EBD-484A-B544-1BC16B248341}" sibTransId="{0A236FCC-6A2E-DD44-89FD-A8E278526B84}"/>
+    <dgm:cxn modelId="{9C6595AD-5365-3A45-B669-0C7247248E86}" type="presOf" srcId="{FE73098B-EADD-FE4C-B2CC-65F225D7E366}" destId="{A72ED4E5-185A-334D-AF75-4E2C72EDF1D7}" srcOrd="0" destOrd="3" presId="urn:microsoft.com/office/officeart/2005/8/layout/process1"/>
     <dgm:cxn modelId="{F0380C19-BA77-884B-8791-254729099D62}" type="presOf" srcId="{D7320DBF-F352-1F4C-B7B4-F3D3370FC5C2}" destId="{8180A515-E02D-5C43-AA6D-DB8702B27852}" srcOrd="1" destOrd="0" presId="urn:microsoft.com/office/officeart/2005/8/layout/process1"/>
-    <dgm:cxn modelId="{809BF21C-7F9A-7D4C-B16D-B78C9F3D17FE}" type="presOf" srcId="{F0D1D0C7-A2BB-0147-BFC6-994C6928EE58}" destId="{2FAAA329-69D9-EA4D-B7C5-F273B80E5760}" srcOrd="0" destOrd="0" presId="urn:microsoft.com/office/officeart/2005/8/layout/process1"/>
+    <dgm:cxn modelId="{B157FD34-9476-294A-B2D6-37DF1B5F901F}" type="presOf" srcId="{F70C00D6-A907-054F-8C16-E1E2082C694C}" destId="{7C8FAA48-E2B7-094C-88D9-5E5B177809D5}" srcOrd="0" destOrd="3" presId="urn:microsoft.com/office/officeart/2005/8/layout/process1"/>
+    <dgm:cxn modelId="{E11E8C8C-002B-E046-8417-30DEC6E974F3}" type="presOf" srcId="{FE6E6F60-E623-C940-A32A-2CABC9C93320}" destId="{7C8FAA48-E2B7-094C-88D9-5E5B177809D5}" srcOrd="0" destOrd="2" presId="urn:microsoft.com/office/officeart/2005/8/layout/process1"/>
     <dgm:cxn modelId="{7909A808-5F2A-E548-9B51-37CE7E43088B}" srcId="{EE6ED75A-4597-7547-A81D-876EB91A9385}" destId="{883288A5-2754-9145-A9D5-F9D0BA03BE85}" srcOrd="2" destOrd="0" parTransId="{CDB48D88-0647-234B-A4B4-A111DD550A52}" sibTransId="{5BCD6B2B-64FC-2B4F-9588-066D497AC585}"/>
-    <dgm:cxn modelId="{C7D9EB03-2D48-0241-A574-C4A8547C107F}" type="presOf" srcId="{93C87082-C978-9148-AC5F-1CD37A05623E}" destId="{7C8FAA48-E2B7-094C-88D9-5E5B177809D5}" srcOrd="0" destOrd="0" presId="urn:microsoft.com/office/officeart/2005/8/layout/process1"/>
-    <dgm:cxn modelId="{B157FD34-9476-294A-B2D6-37DF1B5F901F}" type="presOf" srcId="{F70C00D6-A907-054F-8C16-E1E2082C694C}" destId="{7C8FAA48-E2B7-094C-88D9-5E5B177809D5}" srcOrd="0" destOrd="3" presId="urn:microsoft.com/office/officeart/2005/8/layout/process1"/>
+    <dgm:cxn modelId="{8C636058-BABC-834F-9451-FB1BC3A4E608}" srcId="{883288A5-2754-9145-A9D5-F9D0BA03BE85}" destId="{4A4299AF-7CA0-6241-AFB2-6E4E39DDF3CA}" srcOrd="0" destOrd="0" parTransId="{AD98EAFB-257B-F945-A564-2FDB6E154162}" sibTransId="{B149DE2F-C59C-694D-A89A-4D2455C4CEFB}"/>
     <dgm:cxn modelId="{65204D35-891D-914C-9BA1-9BD6F28C4273}" srcId="{0DD03C4E-039B-F64F-A5ED-9F3F6C37F389}" destId="{91F8FE84-1337-4047-A5E3-08B4DFB281D4}" srcOrd="0" destOrd="0" parTransId="{626289C5-4886-3243-A342-17D743D5C46C}" sibTransId="{4A905B6B-9517-2A4D-9FBC-8E621C743D8C}"/>
-    <dgm:cxn modelId="{CB0A728A-0468-3E41-9B71-37E8D6CC1E65}" srcId="{883288A5-2754-9145-A9D5-F9D0BA03BE85}" destId="{439C04A7-14DC-B744-9D67-5AC95D70F6E4}" srcOrd="1" destOrd="0" parTransId="{290C1CC5-FF66-3146-B1FF-C0DC6B071630}" sibTransId="{93271C81-211F-8B4E-AA64-A36C14FDF587}"/>
-    <dgm:cxn modelId="{A5B2A051-1517-2446-AD20-D4988116B4A4}" srcId="{EE6ED75A-4597-7547-A81D-876EB91A9385}" destId="{0DD03C4E-039B-F64F-A5ED-9F3F6C37F389}" srcOrd="1" destOrd="0" parTransId="{7DC0B663-30F5-864E-950D-136D5196E720}" sibTransId="{D7320DBF-F352-1F4C-B7B4-F3D3370FC5C2}"/>
-    <dgm:cxn modelId="{E0702D1C-5023-9E4D-8D24-5E20BF955E7D}" type="presOf" srcId="{439C04A7-14DC-B744-9D67-5AC95D70F6E4}" destId="{A40A3E86-DC86-6040-993A-2C3164EBD86A}" srcOrd="0" destOrd="2" presId="urn:microsoft.com/office/officeart/2005/8/layout/process1"/>
-    <dgm:cxn modelId="{9C6595AD-5365-3A45-B669-0C7247248E86}" type="presOf" srcId="{FE73098B-EADD-FE4C-B2CC-65F225D7E366}" destId="{A72ED4E5-185A-334D-AF75-4E2C72EDF1D7}" srcOrd="0" destOrd="3" presId="urn:microsoft.com/office/officeart/2005/8/layout/process1"/>
-    <dgm:cxn modelId="{2ADE675E-31F3-3B4F-8B8D-4DACF46EE6D4}" type="presOf" srcId="{0FB0D1E4-A711-D042-AF27-6C6C1723D09A}" destId="{A72ED4E5-185A-334D-AF75-4E2C72EDF1D7}" srcOrd="0" destOrd="2" presId="urn:microsoft.com/office/officeart/2005/8/layout/process1"/>
     <dgm:cxn modelId="{011E3FE0-BB09-3147-9BD4-210E2DA1AFEE}" type="presOf" srcId="{883288A5-2754-9145-A9D5-F9D0BA03BE85}" destId="{A40A3E86-DC86-6040-993A-2C3164EBD86A}" srcOrd="0" destOrd="0" presId="urn:microsoft.com/office/officeart/2005/8/layout/process1"/>
-    <dgm:cxn modelId="{2134B228-A7CE-F344-8906-3BAE070EFF30}" srcId="{93C87082-C978-9148-AC5F-1CD37A05623E}" destId="{F70C00D6-A907-054F-8C16-E1E2082C694C}" srcOrd="2" destOrd="0" parTransId="{6672C9BA-4ABF-3843-BA1F-B864DC9A6D93}" sibTransId="{9E23234D-FB00-8A47-844D-D084A286CAA0}"/>
-    <dgm:cxn modelId="{1FCA0FFF-BF68-944A-89F0-2AC02A40C70D}" srcId="{0DD03C4E-039B-F64F-A5ED-9F3F6C37F389}" destId="{FE73098B-EADD-FE4C-B2CC-65F225D7E366}" srcOrd="2" destOrd="0" parTransId="{6A825C6D-0D4C-F444-AEA0-8411C990F9EC}" sibTransId="{A8BFF42F-253D-214B-9A0B-3A44C8EFA4B4}"/>
-    <dgm:cxn modelId="{8D44AFB3-6352-4E4C-BC63-41A41AA0382D}" type="presOf" srcId="{D7320DBF-F352-1F4C-B7B4-F3D3370FC5C2}" destId="{6D7DF168-A745-F44E-82D0-CD09CC1BCFF2}" srcOrd="0" destOrd="0" presId="urn:microsoft.com/office/officeart/2005/8/layout/process1"/>
-    <dgm:cxn modelId="{0A2D6371-DC7A-2A46-9A67-A1506F04C712}" type="presOf" srcId="{EE6ED75A-4597-7547-A81D-876EB91A9385}" destId="{5A7C381E-9458-9640-A04F-4B39A5489543}" srcOrd="0" destOrd="0" presId="urn:microsoft.com/office/officeart/2005/8/layout/process1"/>
-    <dgm:cxn modelId="{9C3F986B-4185-E745-ACF3-066D49E15D05}" srcId="{93C87082-C978-9148-AC5F-1CD37A05623E}" destId="{CED37743-4581-BE41-9E7F-365CD0AC71AB}" srcOrd="0" destOrd="0" parTransId="{8032F10C-D597-A94A-A18F-93F1DC121FB7}" sibTransId="{270C84AB-EA64-CD43-8BA0-2115A2CF5FC8}"/>
+    <dgm:cxn modelId="{DD15BCF9-8D5D-6040-BBAF-85AB0FCC79A6}" type="presOf" srcId="{754F7C9A-7746-C740-AC2D-F15CA60FD8EB}" destId="{A40A3E86-DC86-6040-993A-2C3164EBD86A}" srcOrd="0" destOrd="3" presId="urn:microsoft.com/office/officeart/2005/8/layout/process1"/>
+    <dgm:cxn modelId="{A0BD4792-2CDE-6D46-ACC4-64D2AB6553C6}" type="presOf" srcId="{4A4299AF-7CA0-6241-AFB2-6E4E39DDF3CA}" destId="{A40A3E86-DC86-6040-993A-2C3164EBD86A}" srcOrd="0" destOrd="1" presId="urn:microsoft.com/office/officeart/2005/8/layout/process1"/>
     <dgm:cxn modelId="{88F393EC-B6A9-444E-9E1F-2BBC081AE08C}" type="presOf" srcId="{0DD03C4E-039B-F64F-A5ED-9F3F6C37F389}" destId="{A72ED4E5-185A-334D-AF75-4E2C72EDF1D7}" srcOrd="0" destOrd="0" presId="urn:microsoft.com/office/officeart/2005/8/layout/process1"/>
-    <dgm:cxn modelId="{7438EBE9-3D3C-AA42-86EC-46C72A9CA1CF}" srcId="{0DD03C4E-039B-F64F-A5ED-9F3F6C37F389}" destId="{0FB0D1E4-A711-D042-AF27-6C6C1723D09A}" srcOrd="1" destOrd="0" parTransId="{8479D09D-6E78-AD48-B116-A603AD3AE04A}" sibTransId="{3E1D1872-EA92-C149-A627-9372147C8564}"/>
-    <dgm:cxn modelId="{9E251FED-29DF-EC46-86FE-362D8AE54B7F}" type="presOf" srcId="{91F8FE84-1337-4047-A5E3-08B4DFB281D4}" destId="{A72ED4E5-185A-334D-AF75-4E2C72EDF1D7}" srcOrd="0" destOrd="1" presId="urn:microsoft.com/office/officeart/2005/8/layout/process1"/>
-    <dgm:cxn modelId="{A0BD4792-2CDE-6D46-ACC4-64D2AB6553C6}" type="presOf" srcId="{4A4299AF-7CA0-6241-AFB2-6E4E39DDF3CA}" destId="{A40A3E86-DC86-6040-993A-2C3164EBD86A}" srcOrd="0" destOrd="1" presId="urn:microsoft.com/office/officeart/2005/8/layout/process1"/>
-    <dgm:cxn modelId="{AF4F0A1D-6187-F544-862B-6440ED457216}" srcId="{EE6ED75A-4597-7547-A81D-876EB91A9385}" destId="{93C87082-C978-9148-AC5F-1CD37A05623E}" srcOrd="0" destOrd="0" parTransId="{C3CCF1D3-656A-0C43-9677-F6F6B41DF11D}" sibTransId="{F0D1D0C7-A2BB-0147-BFC6-994C6928EE58}"/>
-    <dgm:cxn modelId="{D5FD634F-A349-7A4C-AB04-890B3451E2C8}" srcId="{883288A5-2754-9145-A9D5-F9D0BA03BE85}" destId="{754F7C9A-7746-C740-AC2D-F15CA60FD8EB}" srcOrd="2" destOrd="0" parTransId="{E2F1FFE9-4AF4-BA46-9644-14A515C04231}" sibTransId="{6AD537BD-2E31-7847-8542-06C6B93DE77D}"/>
-    <dgm:cxn modelId="{DD15BCF9-8D5D-6040-BBAF-85AB0FCC79A6}" type="presOf" srcId="{754F7C9A-7746-C740-AC2D-F15CA60FD8EB}" destId="{A40A3E86-DC86-6040-993A-2C3164EBD86A}" srcOrd="0" destOrd="3" presId="urn:microsoft.com/office/officeart/2005/8/layout/process1"/>
-    <dgm:cxn modelId="{E11E8C8C-002B-E046-8417-30DEC6E974F3}" type="presOf" srcId="{FE6E6F60-E623-C940-A32A-2CABC9C93320}" destId="{7C8FAA48-E2B7-094C-88D9-5E5B177809D5}" srcOrd="0" destOrd="2" presId="urn:microsoft.com/office/officeart/2005/8/layout/process1"/>
-    <dgm:cxn modelId="{411140A1-4243-D444-8BB4-B7018617FF4E}" type="presOf" srcId="{CED37743-4581-BE41-9E7F-365CD0AC71AB}" destId="{7C8FAA48-E2B7-094C-88D9-5E5B177809D5}" srcOrd="0" destOrd="1" presId="urn:microsoft.com/office/officeart/2005/8/layout/process1"/>
-    <dgm:cxn modelId="{ED2EEA2D-9209-2C41-8E57-8E02EC6D69DA}" type="presOf" srcId="{F0D1D0C7-A2BB-0147-BFC6-994C6928EE58}" destId="{86A4BBAF-DAB3-8B4E-8F36-B724F02091A9}" srcOrd="1" destOrd="0" presId="urn:microsoft.com/office/officeart/2005/8/layout/process1"/>
-    <dgm:cxn modelId="{8C636058-BABC-834F-9451-FB1BC3A4E608}" srcId="{883288A5-2754-9145-A9D5-F9D0BA03BE85}" destId="{4A4299AF-7CA0-6241-AFB2-6E4E39DDF3CA}" srcOrd="0" destOrd="0" parTransId="{AD98EAFB-257B-F945-A564-2FDB6E154162}" sibTransId="{B149DE2F-C59C-694D-A89A-4D2455C4CEFB}"/>
-    <dgm:cxn modelId="{4026129B-65D8-0E49-B09C-7A7D3F0AB60E}" srcId="{93C87082-C978-9148-AC5F-1CD37A05623E}" destId="{FE6E6F60-E623-C940-A32A-2CABC9C93320}" srcOrd="1" destOrd="0" parTransId="{1B8CAEB7-7EBD-484A-B544-1BC16B248341}" sibTransId="{0A236FCC-6A2E-DD44-89FD-A8E278526B84}"/>
     <dgm:cxn modelId="{FDAB3139-8932-4A4C-AF8C-EB0339625C95}" type="presParOf" srcId="{5A7C381E-9458-9640-A04F-4B39A5489543}" destId="{7C8FAA48-E2B7-094C-88D9-5E5B177809D5}" srcOrd="0" destOrd="0" presId="urn:microsoft.com/office/officeart/2005/8/layout/process1"/>
     <dgm:cxn modelId="{79DCEF36-D64E-9E48-AE54-A78D2C3DE315}" type="presParOf" srcId="{5A7C381E-9458-9640-A04F-4B39A5489543}" destId="{2FAAA329-69D9-EA4D-B7C5-F273B80E5760}" srcOrd="1" destOrd="0" presId="urn:microsoft.com/office/officeart/2005/8/layout/process1"/>
     <dgm:cxn modelId="{92641AEE-1DC3-6347-BB1C-2EF6E2597D0D}" type="presParOf" srcId="{2FAAA329-69D9-EA4D-B7C5-F273B80E5760}" destId="{86A4BBAF-DAB3-8B4E-8F36-B724F02091A9}" srcOrd="0" destOrd="0" presId="urn:microsoft.com/office/officeart/2005/8/layout/process1"/>
@@ -1468,7 +1842,15 @@
     <dgm:cxn modelId="{76BCC564-E12C-4646-BF2E-3E5DA207C21A}" type="presParOf" srcId="{6D7DF168-A745-F44E-82D0-CD09CC1BCFF2}" destId="{8180A515-E02D-5C43-AA6D-DB8702B27852}" srcOrd="0" destOrd="0" presId="urn:microsoft.com/office/officeart/2005/8/layout/process1"/>
     <dgm:cxn modelId="{FF597761-BC9E-2145-A2A3-92F7919FF41D}" type="presParOf" srcId="{5A7C381E-9458-9640-A04F-4B39A5489543}" destId="{A40A3E86-DC86-6040-993A-2C3164EBD86A}" srcOrd="4" destOrd="0" presId="urn:microsoft.com/office/officeart/2005/8/layout/process1"/>
   </dgm:cxnLst>
-  <dgm:bg/>
+  <dgm:bg>
+    <a:effectLst>
+      <a:outerShdw blurRad="50800" dist="38100" dir="2700000" algn="tl" rotWithShape="0">
+        <a:prstClr val="black">
+          <a:alpha val="40000"/>
+        </a:prstClr>
+      </a:outerShdw>
+    </a:effectLst>
+  </dgm:bg>
   <dgm:whole/>
   <dgm:extLst>
     <a:ext uri="http://schemas.microsoft.com/office/drawing/2008/diagram">
@@ -1493,64 +1875,71 @@
       </dsp:nvSpPr>
       <dsp:spPr>
         <a:xfrm>
-          <a:off x="1721" y="2203540"/>
-          <a:ext cx="2519887" cy="2241369"/>
+          <a:off x="1685" y="2200803"/>
+          <a:ext cx="2466197" cy="2246842"/>
         </a:xfrm>
         <a:prstGeom prst="roundRect">
           <a:avLst>
             <a:gd name="adj" fmla="val 10000"/>
           </a:avLst>
         </a:prstGeom>
-        <a:gradFill rotWithShape="0">
+        <a:gradFill rotWithShape="1">
           <a:gsLst>
             <a:gs pos="0">
-              <a:schemeClr val="accent1">
-                <a:hueOff val="0"/>
-                <a:satOff val="0"/>
-                <a:lumOff val="0"/>
-                <a:alphaOff val="0"/>
-                <a:tint val="100000"/>
-                <a:shade val="100000"/>
-                <a:satMod val="130000"/>
+              <a:schemeClr val="dk1">
+                <a:tint val="50000"/>
+                <a:satMod val="300000"/>
+              </a:schemeClr>
+            </a:gs>
+            <a:gs pos="35000">
+              <a:schemeClr val="dk1">
+                <a:tint val="37000"/>
+                <a:satMod val="300000"/>
               </a:schemeClr>
             </a:gs>
             <a:gs pos="100000">
-              <a:schemeClr val="accent1">
-                <a:hueOff val="0"/>
-                <a:satOff val="0"/>
-                <a:lumOff val="0"/>
-                <a:alphaOff val="0"/>
-                <a:tint val="50000"/>
-                <a:shade val="100000"/>
+              <a:schemeClr val="dk1">
+                <a:tint val="15000"/>
                 <a:satMod val="350000"/>
               </a:schemeClr>
             </a:gs>
           </a:gsLst>
-          <a:lin ang="16200000" scaled="0"/>
+          <a:lin ang="16200000" scaled="1"/>
         </a:gradFill>
-        <a:ln>
-          <a:noFill/>
+        <a:ln w="9525" cap="flat" cmpd="sng" algn="ctr">
+          <a:solidFill>
+            <a:schemeClr val="dk1">
+              <a:shade val="95000"/>
+              <a:satMod val="105000"/>
+            </a:schemeClr>
+          </a:solidFill>
+          <a:prstDash val="solid"/>
         </a:ln>
         <a:effectLst>
-          <a:outerShdw blurRad="40000" dist="23000" dir="5400000" rotWithShape="0">
-            <a:srgbClr val="000000">
-              <a:alpha val="35000"/>
-            </a:srgbClr>
+          <a:outerShdw blurRad="50800" dist="38100" dir="2700000" sx="102000" sy="102000" algn="tl" rotWithShape="0">
+            <a:prstClr val="black">
+              <a:alpha val="40000"/>
+            </a:prstClr>
           </a:outerShdw>
         </a:effectLst>
+        <a:scene3d>
+          <a:camera prst="orthographicFront"/>
+          <a:lightRig rig="flat" dir="t"/>
+        </a:scene3d>
+        <a:sp3d/>
       </dsp:spPr>
       <dsp:style>
-        <a:lnRef idx="0">
-          <a:scrgbClr r="0" g="0" b="0"/>
+        <a:lnRef idx="1">
+          <a:schemeClr val="dk1"/>
         </a:lnRef>
-        <a:fillRef idx="3">
-          <a:scrgbClr r="0" g="0" b="0"/>
+        <a:fillRef idx="2">
+          <a:schemeClr val="dk1"/>
         </a:fillRef>
-        <a:effectRef idx="2">
-          <a:scrgbClr r="0" g="0" b="0"/>
+        <a:effectRef idx="1">
+          <a:schemeClr val="dk1"/>
         </a:effectRef>
         <a:fontRef idx="minor">
-          <a:schemeClr val="lt1"/>
+          <a:schemeClr val="dk1"/>
         </a:fontRef>
       </dsp:style>
       <dsp:txBody>
@@ -1571,11 +1960,7 @@
             </a:spcAft>
           </a:pPr>
           <a:r>
-            <a:rPr lang="en-US" sz="2000" b="1" kern="1200" dirty="0" smtClean="0">
-              <a:solidFill>
-                <a:schemeClr val="tx1"/>
-              </a:solidFill>
-            </a:rPr>
+            <a:rPr lang="en-US" sz="2000" b="1" kern="1200" smtClean="0"/>
             <a:t>Step 1:</a:t>
           </a:r>
         </a:p>
@@ -1592,18 +1977,10 @@
             </a:spcAft>
           </a:pPr>
           <a:r>
-            <a:rPr lang="en-US" sz="2000" b="1" kern="1200" dirty="0" smtClean="0">
-              <a:solidFill>
-                <a:schemeClr val="tx1"/>
-              </a:solidFill>
-            </a:rPr>
+            <a:rPr lang="en-US" sz="2000" b="1" kern="1200" smtClean="0"/>
             <a:t>Plan Assessment</a:t>
           </a:r>
-          <a:endParaRPr lang="en-US" sz="2000" b="1" kern="1200" dirty="0">
-            <a:solidFill>
-              <a:schemeClr val="tx1"/>
-            </a:solidFill>
-          </a:endParaRPr>
+          <a:endParaRPr lang="en-US" sz="2000" b="1" kern="1200" dirty="0"/>
         </a:p>
         <a:p>
           <a:pPr marL="171450" lvl="1" indent="-171450" algn="l" defTabSz="711200">
@@ -1664,8 +2041,8 @@
         </a:p>
       </dsp:txBody>
       <dsp:txXfrm>
-        <a:off x="67368" y="2269187"/>
-        <a:ext cx="2388593" cy="2110075"/>
+        <a:off x="67493" y="2266611"/>
+        <a:ext cx="2334581" cy="2115226"/>
       </dsp:txXfrm>
     </dsp:sp>
     <dsp:sp modelId="{2FAAA329-69D9-EA4D-B7C5-F273B80E5760}">
@@ -1675,8 +2052,8 @@
       </dsp:nvSpPr>
       <dsp:spPr>
         <a:xfrm>
-          <a:off x="2750804" y="3040022"/>
-          <a:ext cx="485894" cy="568404"/>
+          <a:off x="2692193" y="3046078"/>
+          <a:ext cx="475541" cy="556293"/>
         </a:xfrm>
         <a:prstGeom prst="rightArrow">
           <a:avLst>
@@ -1684,58 +2061,58 @@
             <a:gd name="adj2" fmla="val 50000"/>
           </a:avLst>
         </a:prstGeom>
-        <a:gradFill rotWithShape="0">
+        <a:gradFill rotWithShape="1">
           <a:gsLst>
             <a:gs pos="0">
-              <a:schemeClr val="accent1">
-                <a:tint val="60000"/>
-                <a:hueOff val="0"/>
-                <a:satOff val="0"/>
-                <a:lumOff val="0"/>
-                <a:alphaOff val="0"/>
-                <a:tint val="100000"/>
-                <a:shade val="100000"/>
-                <a:satMod val="130000"/>
+              <a:schemeClr val="dk1">
+                <a:tint val="50000"/>
+                <a:satMod val="300000"/>
+              </a:schemeClr>
+            </a:gs>
+            <a:gs pos="35000">
+              <a:schemeClr val="dk1">
+                <a:tint val="37000"/>
+                <a:satMod val="300000"/>
               </a:schemeClr>
             </a:gs>
             <a:gs pos="100000">
-              <a:schemeClr val="accent1">
-                <a:tint val="60000"/>
-                <a:hueOff val="0"/>
-                <a:satOff val="0"/>
-                <a:lumOff val="0"/>
-                <a:alphaOff val="0"/>
-                <a:tint val="50000"/>
-                <a:shade val="100000"/>
+              <a:schemeClr val="dk1">
+                <a:tint val="15000"/>
                 <a:satMod val="350000"/>
               </a:schemeClr>
             </a:gs>
           </a:gsLst>
-          <a:lin ang="16200000" scaled="0"/>
+          <a:lin ang="16200000" scaled="1"/>
         </a:gradFill>
-        <a:ln>
-          <a:noFill/>
+        <a:ln w="9525" cap="flat" cmpd="sng" algn="ctr">
+          <a:solidFill>
+            <a:schemeClr val="dk1">
+              <a:shade val="95000"/>
+              <a:satMod val="105000"/>
+            </a:schemeClr>
+          </a:solidFill>
+          <a:prstDash val="solid"/>
         </a:ln>
         <a:effectLst>
-          <a:outerShdw blurRad="40000" dist="23000" dir="5400000" rotWithShape="0">
-            <a:srgbClr val="000000">
-              <a:alpha val="35000"/>
-            </a:srgbClr>
+          <a:outerShdw blurRad="50800" dist="38100" dir="2700000" sx="102000" sy="102000" algn="tl" rotWithShape="0">
+            <a:prstClr val="black">
+              <a:alpha val="40000"/>
+            </a:prstClr>
           </a:outerShdw>
         </a:effectLst>
       </dsp:spPr>
       <dsp:style>
-        <a:lnRef idx="0">
-          <a:scrgbClr r="0" g="0" b="0"/>
+        <a:lnRef idx="1">
+          <a:schemeClr val="dk1"/>
         </a:lnRef>
-        <a:fillRef idx="3">
-          <a:scrgbClr r="0" g="0" b="0"/>
+        <a:fillRef idx="2">
+          <a:schemeClr val="dk1"/>
         </a:fillRef>
-        <a:effectRef idx="2">
-          <a:scrgbClr r="0" g="0" b="0"/>
+        <a:effectRef idx="1">
+          <a:schemeClr val="dk1"/>
         </a:effectRef>
         <a:fontRef idx="minor">
-          <a:schemeClr val="lt1"/>
+          <a:schemeClr val="dk1"/>
         </a:fontRef>
       </dsp:style>
       <dsp:txBody>
@@ -1759,8 +2136,8 @@
         </a:p>
       </dsp:txBody>
       <dsp:txXfrm>
-        <a:off x="2750804" y="3153703"/>
-        <a:ext cx="340126" cy="341042"/>
+        <a:off x="2692193" y="3157337"/>
+        <a:ext cx="332879" cy="333775"/>
       </dsp:txXfrm>
     </dsp:sp>
     <dsp:sp modelId="{A72ED4E5-185A-334D-AF75-4E2C72EDF1D7}">
@@ -1770,64 +2147,71 @@
       </dsp:nvSpPr>
       <dsp:spPr>
         <a:xfrm>
-          <a:off x="3438390" y="2203540"/>
-          <a:ext cx="2291953" cy="2241369"/>
+          <a:off x="3365129" y="2200803"/>
+          <a:ext cx="2243118" cy="2246842"/>
         </a:xfrm>
         <a:prstGeom prst="roundRect">
           <a:avLst>
             <a:gd name="adj" fmla="val 10000"/>
           </a:avLst>
         </a:prstGeom>
-        <a:gradFill rotWithShape="0">
+        <a:gradFill rotWithShape="1">
           <a:gsLst>
             <a:gs pos="0">
-              <a:schemeClr val="accent1">
-                <a:hueOff val="0"/>
-                <a:satOff val="0"/>
-                <a:lumOff val="0"/>
-                <a:alphaOff val="0"/>
-                <a:tint val="100000"/>
-                <a:shade val="100000"/>
-                <a:satMod val="130000"/>
+              <a:schemeClr val="dk1">
+                <a:tint val="50000"/>
+                <a:satMod val="300000"/>
+              </a:schemeClr>
+            </a:gs>
+            <a:gs pos="35000">
+              <a:schemeClr val="dk1">
+                <a:tint val="37000"/>
+                <a:satMod val="300000"/>
               </a:schemeClr>
             </a:gs>
             <a:gs pos="100000">
-              <a:schemeClr val="accent1">
-                <a:hueOff val="0"/>
-                <a:satOff val="0"/>
-                <a:lumOff val="0"/>
-                <a:alphaOff val="0"/>
-                <a:tint val="50000"/>
-                <a:shade val="100000"/>
+              <a:schemeClr val="dk1">
+                <a:tint val="15000"/>
                 <a:satMod val="350000"/>
               </a:schemeClr>
             </a:gs>
           </a:gsLst>
-          <a:lin ang="16200000" scaled="0"/>
+          <a:lin ang="16200000" scaled="1"/>
         </a:gradFill>
-        <a:ln>
-          <a:noFill/>
+        <a:ln w="9525" cap="flat" cmpd="sng" algn="ctr">
+          <a:solidFill>
+            <a:schemeClr val="dk1">
+              <a:shade val="95000"/>
+              <a:satMod val="105000"/>
+            </a:schemeClr>
+          </a:solidFill>
+          <a:prstDash val="solid"/>
         </a:ln>
         <a:effectLst>
-          <a:outerShdw blurRad="40000" dist="23000" dir="5400000" rotWithShape="0">
-            <a:srgbClr val="000000">
-              <a:alpha val="35000"/>
-            </a:srgbClr>
+          <a:outerShdw blurRad="50800" dist="38100" dir="2700000" sx="102000" sy="102000" algn="tl" rotWithShape="0">
+            <a:prstClr val="black">
+              <a:alpha val="40000"/>
+            </a:prstClr>
           </a:outerShdw>
         </a:effectLst>
+        <a:scene3d>
+          <a:camera prst="orthographicFront"/>
+          <a:lightRig rig="flat" dir="t"/>
+        </a:scene3d>
+        <a:sp3d/>
       </dsp:spPr>
       <dsp:style>
-        <a:lnRef idx="0">
-          <a:scrgbClr r="0" g="0" b="0"/>
+        <a:lnRef idx="1">
+          <a:schemeClr val="dk1"/>
         </a:lnRef>
-        <a:fillRef idx="3">
-          <a:scrgbClr r="0" g="0" b="0"/>
+        <a:fillRef idx="2">
+          <a:schemeClr val="dk1"/>
         </a:fillRef>
-        <a:effectRef idx="2">
-          <a:scrgbClr r="0" g="0" b="0"/>
+        <a:effectRef idx="1">
+          <a:schemeClr val="dk1"/>
         </a:effectRef>
         <a:fontRef idx="minor">
-          <a:schemeClr val="lt1"/>
+          <a:schemeClr val="dk1"/>
         </a:fontRef>
       </dsp:style>
       <dsp:txBody>
@@ -1848,11 +2232,7 @@
             </a:spcAft>
           </a:pPr>
           <a:r>
-            <a:rPr lang="en-US" sz="2000" b="1" kern="1200" dirty="0" smtClean="0">
-              <a:solidFill>
-                <a:srgbClr val="000000"/>
-              </a:solidFill>
-            </a:rPr>
+            <a:rPr lang="en-US" sz="2000" b="1" kern="1200" smtClean="0"/>
             <a:t>Step 2:</a:t>
           </a:r>
         </a:p>
@@ -1869,18 +2249,10 @@
             </a:spcAft>
           </a:pPr>
           <a:r>
-            <a:rPr lang="en-US" sz="2000" b="1" kern="1200" dirty="0" smtClean="0">
-              <a:solidFill>
-                <a:srgbClr val="000000"/>
-              </a:solidFill>
-            </a:rPr>
+            <a:rPr lang="en-US" sz="2000" b="1" kern="1200" smtClean="0"/>
             <a:t>Gather Data</a:t>
           </a:r>
-          <a:endParaRPr lang="en-US" sz="2000" b="1" kern="1200" dirty="0">
-            <a:solidFill>
-              <a:srgbClr val="000000"/>
-            </a:solidFill>
-          </a:endParaRPr>
+          <a:endParaRPr lang="en-US" sz="2000" b="1" kern="1200" dirty="0"/>
         </a:p>
         <a:p>
           <a:pPr marL="171450" lvl="1" indent="-171450" algn="l" defTabSz="711200">
@@ -1941,8 +2313,8 @@
         </a:p>
       </dsp:txBody>
       <dsp:txXfrm>
-        <a:off x="3504037" y="2269187"/>
-        <a:ext cx="2160659" cy="2110075"/>
+        <a:off x="3430828" y="2266502"/>
+        <a:ext cx="2111720" cy="2115444"/>
       </dsp:txXfrm>
     </dsp:sp>
     <dsp:sp modelId="{6D7DF168-A745-F44E-82D0-CD09CC1BCFF2}">
@@ -1952,8 +2324,8 @@
       </dsp:nvSpPr>
       <dsp:spPr>
         <a:xfrm>
-          <a:off x="5959539" y="3040022"/>
-          <a:ext cx="485894" cy="568404"/>
+          <a:off x="5832560" y="3046078"/>
+          <a:ext cx="475541" cy="556293"/>
         </a:xfrm>
         <a:prstGeom prst="rightArrow">
           <a:avLst>
@@ -1961,58 +2333,58 @@
             <a:gd name="adj2" fmla="val 50000"/>
           </a:avLst>
         </a:prstGeom>
-        <a:gradFill rotWithShape="0">
+        <a:gradFill rotWithShape="1">
           <a:gsLst>
             <a:gs pos="0">
-              <a:schemeClr val="accent1">
-                <a:tint val="60000"/>
-                <a:hueOff val="0"/>
-                <a:satOff val="0"/>
-                <a:lumOff val="0"/>
-                <a:alphaOff val="0"/>
-                <a:tint val="100000"/>
-                <a:shade val="100000"/>
-                <a:satMod val="130000"/>
+              <a:schemeClr val="dk1">
+                <a:tint val="50000"/>
+                <a:satMod val="300000"/>
+              </a:schemeClr>
+            </a:gs>
+            <a:gs pos="35000">
+              <a:schemeClr val="dk1">
+                <a:tint val="37000"/>
+                <a:satMod val="300000"/>
               </a:schemeClr>
             </a:gs>
             <a:gs pos="100000">
-              <a:schemeClr val="accent1">
-                <a:tint val="60000"/>
-                <a:hueOff val="0"/>
-                <a:satOff val="0"/>
-                <a:lumOff val="0"/>
-                <a:alphaOff val="0"/>
-                <a:tint val="50000"/>
-                <a:shade val="100000"/>
+              <a:schemeClr val="dk1">
+                <a:tint val="15000"/>
                 <a:satMod val="350000"/>
               </a:schemeClr>
             </a:gs>
           </a:gsLst>
-          <a:lin ang="16200000" scaled="0"/>
+          <a:lin ang="16200000" scaled="1"/>
         </a:gradFill>
-        <a:ln>
-          <a:noFill/>
+        <a:ln w="9525" cap="flat" cmpd="sng" algn="ctr">
+          <a:solidFill>
+            <a:schemeClr val="dk1">
+              <a:shade val="95000"/>
+              <a:satMod val="105000"/>
+            </a:schemeClr>
+          </a:solidFill>
+          <a:prstDash val="solid"/>
         </a:ln>
         <a:effectLst>
-          <a:outerShdw blurRad="40000" dist="23000" dir="5400000" rotWithShape="0">
-            <a:srgbClr val="000000">
-              <a:alpha val="35000"/>
-            </a:srgbClr>
+          <a:outerShdw blurRad="50800" dist="38100" dir="2700000" sx="102000" sy="102000" algn="tl" rotWithShape="0">
+            <a:prstClr val="black">
+              <a:alpha val="40000"/>
+            </a:prstClr>
           </a:outerShdw>
         </a:effectLst>
       </dsp:spPr>
       <dsp:style>
-        <a:lnRef idx="0">
-          <a:scrgbClr r="0" g="0" b="0"/>
+        <a:lnRef idx="1">
+          <a:schemeClr val="dk1"/>
         </a:lnRef>
-        <a:fillRef idx="3">
-          <a:scrgbClr r="0" g="0" b="0"/>
+        <a:fillRef idx="2">
+          <a:schemeClr val="dk1"/>
         </a:fillRef>
-        <a:effectRef idx="2">
-          <a:scrgbClr r="0" g="0" b="0"/>
+        <a:effectRef idx="1">
+          <a:schemeClr val="dk1"/>
         </a:effectRef>
         <a:fontRef idx="minor">
-          <a:schemeClr val="lt1"/>
+          <a:schemeClr val="dk1"/>
         </a:fontRef>
       </dsp:style>
       <dsp:txBody>
@@ -2036,8 +2408,8 @@
         </a:p>
       </dsp:txBody>
       <dsp:txXfrm>
-        <a:off x="5959539" y="3153703"/>
-        <a:ext cx="340126" cy="341042"/>
+        <a:off x="5832560" y="3157337"/>
+        <a:ext cx="332879" cy="333775"/>
       </dsp:txXfrm>
     </dsp:sp>
     <dsp:sp modelId="{A40A3E86-DC86-6040-993A-2C3164EBD86A}">
@@ -2047,64 +2419,71 @@
       </dsp:nvSpPr>
       <dsp:spPr>
         <a:xfrm>
-          <a:off x="6647125" y="2203540"/>
-          <a:ext cx="2291953" cy="2241369"/>
+          <a:off x="6505496" y="2200803"/>
+          <a:ext cx="2243118" cy="2246842"/>
         </a:xfrm>
         <a:prstGeom prst="roundRect">
           <a:avLst>
             <a:gd name="adj" fmla="val 10000"/>
           </a:avLst>
         </a:prstGeom>
-        <a:gradFill rotWithShape="0">
+        <a:gradFill rotWithShape="1">
           <a:gsLst>
             <a:gs pos="0">
-              <a:schemeClr val="accent1">
-                <a:hueOff val="0"/>
-                <a:satOff val="0"/>
-                <a:lumOff val="0"/>
-                <a:alphaOff val="0"/>
-                <a:tint val="100000"/>
-                <a:shade val="100000"/>
-                <a:satMod val="130000"/>
+              <a:schemeClr val="dk1">
+                <a:tint val="50000"/>
+                <a:satMod val="300000"/>
+              </a:schemeClr>
+            </a:gs>
+            <a:gs pos="35000">
+              <a:schemeClr val="dk1">
+                <a:tint val="37000"/>
+                <a:satMod val="300000"/>
               </a:schemeClr>
             </a:gs>
             <a:gs pos="100000">
-              <a:schemeClr val="accent1">
-                <a:hueOff val="0"/>
-                <a:satOff val="0"/>
-                <a:lumOff val="0"/>
-                <a:alphaOff val="0"/>
-                <a:tint val="50000"/>
-                <a:shade val="100000"/>
+              <a:schemeClr val="dk1">
+                <a:tint val="15000"/>
                 <a:satMod val="350000"/>
               </a:schemeClr>
             </a:gs>
           </a:gsLst>
-          <a:lin ang="16200000" scaled="0"/>
+          <a:lin ang="16200000" scaled="1"/>
         </a:gradFill>
-        <a:ln>
-          <a:noFill/>
+        <a:ln w="9525" cap="flat" cmpd="sng" algn="ctr">
+          <a:solidFill>
+            <a:schemeClr val="dk1">
+              <a:shade val="95000"/>
+              <a:satMod val="105000"/>
+            </a:schemeClr>
+          </a:solidFill>
+          <a:prstDash val="solid"/>
         </a:ln>
         <a:effectLst>
-          <a:outerShdw blurRad="40000" dist="23000" dir="5400000" rotWithShape="0">
-            <a:srgbClr val="000000">
-              <a:alpha val="35000"/>
-            </a:srgbClr>
+          <a:outerShdw blurRad="50800" dist="38100" dir="2700000" sx="102000" sy="102000" algn="tl" rotWithShape="0">
+            <a:prstClr val="black">
+              <a:alpha val="40000"/>
+            </a:prstClr>
           </a:outerShdw>
         </a:effectLst>
+        <a:scene3d>
+          <a:camera prst="orthographicFront"/>
+          <a:lightRig rig="flat" dir="t"/>
+        </a:scene3d>
+        <a:sp3d/>
       </dsp:spPr>
       <dsp:style>
-        <a:lnRef idx="0">
-          <a:scrgbClr r="0" g="0" b="0"/>
+        <a:lnRef idx="1">
+          <a:schemeClr val="dk1"/>
         </a:lnRef>
-        <a:fillRef idx="3">
-          <a:scrgbClr r="0" g="0" b="0"/>
+        <a:fillRef idx="2">
+          <a:schemeClr val="dk1"/>
         </a:fillRef>
-        <a:effectRef idx="2">
-          <a:scrgbClr r="0" g="0" b="0"/>
+        <a:effectRef idx="1">
+          <a:schemeClr val="dk1"/>
         </a:effectRef>
         <a:fontRef idx="minor">
-          <a:schemeClr val="lt1"/>
+          <a:schemeClr val="dk1"/>
         </a:fontRef>
       </dsp:style>
       <dsp:txBody>
@@ -2125,11 +2504,7 @@
             </a:spcAft>
           </a:pPr>
           <a:r>
-            <a:rPr lang="en-US" sz="2000" b="1" kern="1200" dirty="0" smtClean="0">
-              <a:solidFill>
-                <a:srgbClr val="000000"/>
-              </a:solidFill>
-            </a:rPr>
+            <a:rPr lang="en-US" sz="2000" b="1" kern="1200" smtClean="0"/>
             <a:t>Step 3:</a:t>
           </a:r>
         </a:p>
@@ -2146,18 +2521,10 @@
             </a:spcAft>
           </a:pPr>
           <a:r>
-            <a:rPr lang="en-US" sz="2000" b="1" kern="1200" dirty="0" smtClean="0">
-              <a:solidFill>
-                <a:srgbClr val="000000"/>
-              </a:solidFill>
-            </a:rPr>
+            <a:rPr lang="en-US" sz="2000" b="1" kern="1200" smtClean="0"/>
             <a:t>Produce Report</a:t>
           </a:r>
-          <a:endParaRPr lang="en-US" sz="2000" b="1" kern="1200" dirty="0">
-            <a:solidFill>
-              <a:srgbClr val="000000"/>
-            </a:solidFill>
-          </a:endParaRPr>
+          <a:endParaRPr lang="en-US" sz="2000" b="1" kern="1200" dirty="0"/>
         </a:p>
         <a:p>
           <a:pPr marL="171450" lvl="1" indent="-171450" algn="l" defTabSz="711200">
@@ -2218,8 +2585,8 @@
         </a:p>
       </dsp:txBody>
       <dsp:txXfrm>
-        <a:off x="6712772" y="2269187"/>
-        <a:ext cx="2160659" cy="2110075"/>
+        <a:off x="6571195" y="2266502"/>
+        <a:ext cx="2111720" cy="2115444"/>
       </dsp:txXfrm>
     </dsp:sp>
   </dsp:spTree>
@@ -2373,11 +2740,11 @@
 </file>
 
 <file path=ppt/diagrams/quickStyle1.xml><?xml version="1.0" encoding="utf-8"?>
-<dgm:styleDef xmlns:dgm="http://schemas.openxmlformats.org/drawingml/2006/diagram" xmlns:a="http://schemas.openxmlformats.org/drawingml/2006/main" uniqueId="urn:microsoft.com/office/officeart/2005/8/quickstyle/simple4">
+<dgm:styleDef xmlns:dgm="http://schemas.openxmlformats.org/drawingml/2006/diagram" xmlns:a="http://schemas.openxmlformats.org/drawingml/2006/main" uniqueId="urn:microsoft.com/office/officeart/2005/8/quickstyle/simple3">
   <dgm:title val=""/>
   <dgm:desc val=""/>
   <dgm:catLst>
-    <dgm:cat type="simple" pri="10400"/>
+    <dgm:cat type="simple" pri="10300"/>
   </dgm:catLst>
   <dgm:scene3d>
     <a:camera prst="orthographicFront"/>
@@ -2386,59 +2753,65 @@
   <dgm:styleLbl name="node0">
     <dgm:scene3d>
       <a:camera prst="orthographicFront"/>
-      <a:lightRig rig="threePt" dir="t"/>
+      <a:lightRig rig="flat" dir="t"/>
     </dgm:scene3d>
-    <dgm:sp3d/>
+    <dgm:sp3d prstMaterial="dkEdge">
+      <a:bevelT w="8200" h="38100"/>
+    </dgm:sp3d>
     <dgm:txPr/>
     <dgm:style>
       <a:lnRef idx="0">
         <a:scrgbClr r="0" g="0" b="0"/>
       </a:lnRef>
-      <a:fillRef idx="3">
+      <a:fillRef idx="2">
         <a:scrgbClr r="0" g="0" b="0"/>
       </a:fillRef>
-      <a:effectRef idx="2">
+      <a:effectRef idx="1">
         <a:scrgbClr r="0" g="0" b="0"/>
       </a:effectRef>
       <a:fontRef idx="minor">
-        <a:schemeClr val="lt1"/>
+        <a:schemeClr val="dk1"/>
       </a:fontRef>
     </dgm:style>
   </dgm:styleLbl>
   <dgm:styleLbl name="lnNode1">
     <dgm:scene3d>
       <a:camera prst="orthographicFront"/>
-      <a:lightRig rig="threePt" dir="t"/>
+      <a:lightRig rig="flat" dir="t"/>
     </dgm:scene3d>
-    <dgm:sp3d/>
+    <dgm:sp3d prstMaterial="dkEdge">
+      <a:bevelT w="8200" h="38100"/>
+    </dgm:sp3d>
     <dgm:txPr/>
     <dgm:style>
       <a:lnRef idx="1">
         <a:scrgbClr r="0" g="0" b="0"/>
       </a:lnRef>
-      <a:fillRef idx="3">
+      <a:fillRef idx="2">
         <a:scrgbClr r="0" g="0" b="0"/>
       </a:fillRef>
-      <a:effectRef idx="2">
+      <a:effectRef idx="0">
         <a:scrgbClr r="0" g="0" b="0"/>
       </a:effectRef>
       <a:fontRef idx="minor">
-        <a:schemeClr val="lt1"/>
+        <a:schemeClr val="dk1"/>
       </a:fontRef>
     </dgm:style>
   </dgm:styleLbl>
   <dgm:styleLbl name="vennNode1">
     <dgm:scene3d>
       <a:camera prst="orthographicFront"/>
-      <a:lightRig rig="threePt" dir="t"/>
+      <a:lightRig rig="flat" dir="t"/>
     </dgm:scene3d>
-    <dgm:sp3d/>
+    <dgm:sp3d prstMaterial="dkEdge">
+      <a:bevelT w="8200" h="38100"/>
+    </dgm:sp3d>
     <dgm:txPr/>
     <dgm:style>
       <a:lnRef idx="0">
         <a:scrgbClr r="0" g="0" b="0"/>
       </a:lnRef>
-      <a:fillRef idx="3">
+      <a:fillRef idx="2">
         <a:scrgbClr r="0" g="0" b="0"/>
       </a:fillRef>
       <a:effectRef idx="0">
@@ -2460,102 +2833,110 @@
       <a:lnRef idx="1">
         <a:scrgbClr r="0" g="0" b="0"/>
       </a:lnRef>
-      <a:fillRef idx="3">
+      <a:fillRef idx="2">
         <a:scrgbClr r="0" g="0" b="0"/>
       </a:fillRef>
-      <a:effectRef idx="2">
+      <a:effectRef idx="1">
         <a:scrgbClr r="0" g="0" b="0"/>
       </a:effectRef>
       <a:fontRef idx="minor">
-        <a:schemeClr val="lt1"/>
+        <a:schemeClr val="dk1"/>
       </a:fontRef>
     </dgm:style>
   </dgm:styleLbl>
   <dgm:styleLbl name="node1">
     <dgm:scene3d>
       <a:camera prst="orthographicFront"/>
-      <a:lightRig rig="threePt" dir="t"/>
+      <a:lightRig rig="flat" dir="t"/>
     </dgm:scene3d>
-    <dgm:sp3d/>
+    <dgm:sp3d prstMaterial="dkEdge">
+      <a:bevelT w="8200" h="38100"/>
+    </dgm:sp3d>
     <dgm:txPr/>
     <dgm:style>
       <a:lnRef idx="0">
         <a:scrgbClr r="0" g="0" b="0"/>
       </a:lnRef>
-      <a:fillRef idx="3">
+      <a:fillRef idx="2">
         <a:scrgbClr r="0" g="0" b="0"/>
       </a:fillRef>
-      <a:effectRef idx="2">
+      <a:effectRef idx="1">
         <a:scrgbClr r="0" g="0" b="0"/>
       </a:effectRef>
       <a:fontRef idx="minor">
-        <a:schemeClr val="lt1"/>
+        <a:schemeClr val="dk1"/>
       </a:fontRef>
     </dgm:style>
   </dgm:styleLbl>
   <dgm:styleLbl name="node2">
     <dgm:scene3d>
       <a:camera prst="orthographicFront"/>
-      <a:lightRig rig="threePt" dir="t"/>
+      <a:lightRig rig="flat" dir="t"/>
     </dgm:scene3d>
-    <dgm:sp3d/>
+    <dgm:sp3d prstMaterial="dkEdge">
+      <a:bevelT w="8200" h="38100"/>
+    </dgm:sp3d>
     <dgm:txPr/>
     <dgm:style>
       <a:lnRef idx="0">
         <a:scrgbClr r="0" g="0" b="0"/>
       </a:lnRef>
-      <a:fillRef idx="3">
+      <a:fillRef idx="2">
         <a:scrgbClr r="0" g="0" b="0"/>
       </a:fillRef>
-      <a:effectRef idx="2">
+      <a:effectRef idx="1">
         <a:scrgbClr r="0" g="0" b="0"/>
       </a:effectRef>
       <a:fontRef idx="minor">
-        <a:schemeClr val="lt1"/>
+        <a:schemeClr val="dk1"/>
       </a:fontRef>
     </dgm:style>
   </dgm:styleLbl>
   <dgm:styleLbl name="node3">
     <dgm:scene3d>
       <a:camera prst="orthographicFront"/>
-      <a:lightRig rig="threePt" dir="t"/>
+      <a:lightRig rig="flat" dir="t"/>
     </dgm:scene3d>
-    <dgm:sp3d/>
+    <dgm:sp3d prstMaterial="dkEdge">
+      <a:bevelT w="8200" h="38100"/>
+    </dgm:sp3d>
     <dgm:txPr/>
     <dgm:style>
       <a:lnRef idx="0">
         <a:scrgbClr r="0" g="0" b="0"/>
       </a:lnRef>
-      <a:fillRef idx="3">
+      <a:fillRef idx="2">
         <a:scrgbClr r="0" g="0" b="0"/>
       </a:fillRef>
-      <a:effectRef idx="2">
+      <a:effectRef idx="1">
         <a:scrgbClr r="0" g="0" b="0"/>
       </a:effectRef>
       <a:fontRef idx="minor">
-        <a:schemeClr val="lt1"/>
+        <a:schemeClr val="dk1"/>
       </a:fontRef>
     </dgm:style>
   </dgm:styleLbl>
   <dgm:styleLbl name="node4">
     <dgm:scene3d>
       <a:camera prst="orthographicFront"/>
-      <a:lightRig rig="threePt" dir="t"/>
+      <a:lightRig rig="flat" dir="t"/>
     </dgm:scene3d>
-    <dgm:sp3d/>
+    <dgm:sp3d prstMaterial="dkEdge">
+      <a:bevelT w="8200" h="38100"/>
+    </dgm:sp3d>
     <dgm:txPr/>
     <dgm:style>
       <a:lnRef idx="0">
         <a:scrgbClr r="0" g="0" b="0"/>
       </a:lnRef>
-      <a:fillRef idx="3">
+      <a:fillRef idx="2">
         <a:scrgbClr r="0" g="0" b="0"/>
       </a:fillRef>
-      <a:effectRef idx="2">
+      <a:effectRef idx="1">
         <a:scrgbClr r="0" g="0" b="0"/>
       </a:effectRef>
       <a:fontRef idx="minor">
-        <a:schemeClr val="lt1"/>
+        <a:schemeClr val="dk1"/>
       </a:fontRef>
     </dgm:style>
   </dgm:styleLbl>
@@ -2567,13 +2948,13 @@
     <dgm:sp3d/>
     <dgm:txPr/>
     <dgm:style>
-      <a:lnRef idx="0">
+      <a:lnRef idx="1">
         <a:scrgbClr r="0" g="0" b="0"/>
       </a:lnRef>
       <a:fillRef idx="1">
         <a:scrgbClr r="0" g="0" b="0"/>
       </a:fillRef>
-      <a:effectRef idx="2">
+      <a:effectRef idx="1">
         <a:scrgbClr r="0" g="0" b="0"/>
       </a:effectRef>
       <a:fontRef idx="minor"/>
@@ -2587,13 +2968,13 @@
     <dgm:sp3d/>
     <dgm:txPr/>
     <dgm:style>
-      <a:lnRef idx="0">
+      <a:lnRef idx="1">
         <a:scrgbClr r="0" g="0" b="0"/>
       </a:lnRef>
       <a:fillRef idx="1">
         <a:scrgbClr r="0" g="0" b="0"/>
       </a:fillRef>
-      <a:effectRef idx="2">
+      <a:effectRef idx="1">
         <a:scrgbClr r="0" g="0" b="0"/>
       </a:effectRef>
       <a:fontRef idx="minor"/>
@@ -2607,13 +2988,13 @@
     <dgm:sp3d/>
     <dgm:txPr/>
     <dgm:style>
-      <a:lnRef idx="0">
+      <a:lnRef idx="1">
         <a:scrgbClr r="0" g="0" b="0"/>
       </a:lnRef>
       <a:fillRef idx="1">
         <a:scrgbClr r="0" g="0" b="0"/>
       </a:fillRef>
-      <a:effectRef idx="2">
+      <a:effectRef idx="1">
         <a:scrgbClr r="0" g="0" b="0"/>
       </a:effectRef>
       <a:fontRef idx="minor"/>
@@ -2630,14 +3011,14 @@
       <a:lnRef idx="0">
         <a:scrgbClr r="0" g="0" b="0"/>
       </a:lnRef>
-      <a:fillRef idx="3">
+      <a:fillRef idx="2">
         <a:scrgbClr r="0" g="0" b="0"/>
       </a:fillRef>
-      <a:effectRef idx="2">
+      <a:effectRef idx="1">
         <a:scrgbClr r="0" g="0" b="0"/>
       </a:effectRef>
       <a:fontRef idx="minor">
-        <a:schemeClr val="lt1"/>
+        <a:schemeClr val="dk1"/>
       </a:fontRef>
     </dgm:style>
   </dgm:styleLbl>
@@ -2652,14 +3033,14 @@
       <a:lnRef idx="0">
         <a:scrgbClr r="0" g="0" b="0"/>
       </a:lnRef>
-      <a:fillRef idx="3">
+      <a:fillRef idx="2">
         <a:scrgbClr r="0" g="0" b="0"/>
       </a:fillRef>
-      <a:effectRef idx="2">
+      <a:effectRef idx="1">
         <a:scrgbClr r="0" g="0" b="0"/>
       </a:effectRef>
       <a:fontRef idx="minor">
-        <a:schemeClr val="lt1"/>
+        <a:schemeClr val="dk1"/>
       </a:fontRef>
     </dgm:style>
   </dgm:styleLbl>
@@ -2674,14 +3055,14 @@
       <a:lnRef idx="0">
         <a:scrgbClr r="0" g="0" b="0"/>
       </a:lnRef>
-      <a:fillRef idx="3">
+      <a:fillRef idx="2">
         <a:scrgbClr r="0" g="0" b="0"/>
       </a:fillRef>
-      <a:effectRef idx="2">
+      <a:effectRef idx="1">
         <a:scrgbClr r="0" g="0" b="0"/>
       </a:effectRef>
       <a:fontRef idx="minor">
-        <a:schemeClr val="lt1"/>
+        <a:schemeClr val="dk1"/>
       </a:fontRef>
     </dgm:style>
   </dgm:styleLbl>
@@ -2713,10 +3094,10 @@
     <dgm:sp3d/>
     <dgm:txPr/>
     <dgm:style>
-      <a:lnRef idx="2">
+      <a:lnRef idx="1">
         <a:scrgbClr r="0" g="0" b="0"/>
       </a:lnRef>
-      <a:fillRef idx="1">
+      <a:fillRef idx="2">
         <a:scrgbClr r="0" g="0" b="0"/>
       </a:fillRef>
       <a:effectRef idx="1">
@@ -2728,110 +3109,120 @@
   <dgm:styleLbl name="asst0">
     <dgm:scene3d>
       <a:camera prst="orthographicFront"/>
-      <a:lightRig rig="threePt" dir="t"/>
+      <a:lightRig rig="flat" dir="t"/>
     </dgm:scene3d>
-    <dgm:sp3d/>
+    <dgm:sp3d prstMaterial="dkEdge">
+      <a:bevelT w="8200" h="38100"/>
+    </dgm:sp3d>
     <dgm:txPr/>
     <dgm:style>
       <a:lnRef idx="0">
         <a:scrgbClr r="0" g="0" b="0"/>
       </a:lnRef>
-      <a:fillRef idx="3">
+      <a:fillRef idx="2">
         <a:scrgbClr r="0" g="0" b="0"/>
       </a:fillRef>
-      <a:effectRef idx="2">
+      <a:effectRef idx="1">
         <a:scrgbClr r="0" g="0" b="0"/>
       </a:effectRef>
       <a:fontRef idx="minor">
-        <a:schemeClr val="lt1"/>
+        <a:schemeClr val="dk1"/>
       </a:fontRef>
     </dgm:style>
   </dgm:styleLbl>
   <dgm:styleLbl name="asst1">
     <dgm:scene3d>
       <a:camera prst="orthographicFront"/>
-      <a:lightRig rig="threePt" dir="t"/>
+      <a:lightRig rig="flat" dir="t"/>
     </dgm:scene3d>
-    <dgm:sp3d/>
+    <dgm:sp3d prstMaterial="dkEdge">
+      <a:bevelT w="8200" h="38100"/>
+    </dgm:sp3d>
     <dgm:txPr/>
     <dgm:style>
       <a:lnRef idx="0">
         <a:scrgbClr r="0" g="0" b="0"/>
       </a:lnRef>
-      <a:fillRef idx="3">
+      <a:fillRef idx="2">
         <a:scrgbClr r="0" g="0" b="0"/>
       </a:fillRef>
-      <a:effectRef idx="2">
+      <a:effectRef idx="1">
         <a:scrgbClr r="0" g="0" b="0"/>
       </a:effectRef>
       <a:fontRef idx="minor">
-        <a:schemeClr val="lt1"/>
+        <a:schemeClr val="dk1"/>
       </a:fontRef>
     </dgm:style>
   </dgm:styleLbl>
   <dgm:styleLbl name="asst2">
     <dgm:scene3d>
       <a:camera prst="orthographicFront"/>
-      <a:lightRig rig="threePt" dir="t"/>
+      <a:lightRig rig="flat" dir="t"/>
     </dgm:scene3d>
-    <dgm:sp3d/>
+    <dgm:sp3d prstMaterial="dkEdge">
+      <a:bevelT w="8200" h="38100"/>
+    </dgm:sp3d>
     <dgm:txPr/>
     <dgm:style>
       <a:lnRef idx="0">
         <a:scrgbClr r="0" g="0" b="0"/>
       </a:lnRef>
-      <a:fillRef idx="3">
+      <a:fillRef idx="2">
         <a:scrgbClr r="0" g="0" b="0"/>
       </a:fillRef>
-      <a:effectRef idx="2">
+      <a:effectRef idx="1">
         <a:scrgbClr r="0" g="0" b="0"/>
       </a:effectRef>
       <a:fontRef idx="minor">
-        <a:schemeClr val="lt1"/>
+        <a:schemeClr val="dk1"/>
       </a:fontRef>
     </dgm:style>
   </dgm:styleLbl>
   <dgm:styleLbl name="asst3">
     <dgm:scene3d>
       <a:camera prst="orthographicFront"/>
-      <a:lightRig rig="threePt" dir="t"/>
+      <a:lightRig rig="flat" dir="t"/>
     </dgm:scene3d>
-    <dgm:sp3d/>
+    <dgm:sp3d prstMaterial="dkEdge">
+      <a:bevelT w="8200" h="38100"/>
+    </dgm:sp3d>
     <dgm:txPr/>
     <dgm:style>
       <a:lnRef idx="0">
         <a:scrgbClr r="0" g="0" b="0"/>
       </a:lnRef>
-      <a:fillRef idx="3">
+      <a:fillRef idx="2">
         <a:scrgbClr r="0" g="0" b="0"/>
       </a:fillRef>
-      <a:effectRef idx="2">
+      <a:effectRef idx="1">
         <a:scrgbClr r="0" g="0" b="0"/>
       </a:effectRef>
       <a:fontRef idx="minor">
-        <a:schemeClr val="lt1"/>
+        <a:schemeClr val="dk1"/>
       </a:fontRef>
     </dgm:style>
   </dgm:styleLbl>
   <dgm:styleLbl name="asst4">
     <dgm:scene3d>
       <a:camera prst="orthographicFront"/>
-      <a:lightRig rig="threePt" dir="t"/>
+      <a:lightRig rig="flat" dir="t"/>
     </dgm:scene3d>
-    <dgm:sp3d/>
+    <dgm:sp3d prstMaterial="dkEdge">
+      <a:bevelT w="8200" h="38100"/>
+    </dgm:sp3d>
     <dgm:txPr/>
     <dgm:style>
       <a:lnRef idx="0">
         <a:scrgbClr r="0" g="0" b="0"/>
       </a:lnRef>
-      <a:fillRef idx="3">
+      <a:fillRef idx="2">
         <a:scrgbClr r="0" g="0" b="0"/>
       </a:fillRef>
-      <a:effectRef idx="2">
+      <a:effectRef idx="1">
         <a:scrgbClr r="0" g="0" b="0"/>
       </a:effectRef>
       <a:fontRef idx="minor">
-        <a:schemeClr val="lt1"/>
+        <a:schemeClr val="dk1"/>
       </a:fontRef>
     </dgm:style>
   </dgm:styleLbl>
@@ -2843,17 +3234,17 @@
     <dgm:sp3d/>
     <dgm:txPr/>
     <dgm:style>
-      <a:lnRef idx="0">
+      <a:lnRef idx="1">
         <a:scrgbClr r="0" g="0" b="0"/>
       </a:lnRef>
-      <a:fillRef idx="3">
+      <a:fillRef idx="2">
         <a:scrgbClr r="0" g="0" b="0"/>
       </a:fillRef>
-      <a:effectRef idx="2">
+      <a:effectRef idx="1">
         <a:scrgbClr r="0" g="0" b="0"/>
       </a:effectRef>
       <a:fontRef idx="minor">
-        <a:schemeClr val="lt1"/>
+        <a:schemeClr val="dk1"/>
       </a:fontRef>
     </dgm:style>
   </dgm:styleLbl>
@@ -2865,17 +3256,17 @@
     <dgm:sp3d/>
     <dgm:txPr/>
     <dgm:style>
-      <a:lnRef idx="0">
+      <a:lnRef idx="1">
         <a:scrgbClr r="0" g="0" b="0"/>
       </a:lnRef>
-      <a:fillRef idx="3">
+      <a:fillRef idx="2">
         <a:scrgbClr r="0" g="0" b="0"/>
       </a:fillRef>
-      <a:effectRef idx="2">
+      <a:effectRef idx="1">
         <a:scrgbClr r="0" g="0" b="0"/>
       </a:effectRef>
       <a:fontRef idx="minor">
-        <a:schemeClr val="lt1"/>
+        <a:schemeClr val="dk1"/>
       </a:fontRef>
     </dgm:style>
   </dgm:styleLbl>
@@ -2890,14 +3281,14 @@
       <a:lnRef idx="1">
         <a:scrgbClr r="0" g="0" b="0"/>
       </a:lnRef>
-      <a:fillRef idx="3">
+      <a:fillRef idx="2">
         <a:scrgbClr r="0" g="0" b="0"/>
       </a:fillRef>
-      <a:effectRef idx="2">
+      <a:effectRef idx="1">
         <a:scrgbClr r="0" g="0" b="0"/>
       </a:effectRef>
       <a:fontRef idx="minor">
-        <a:schemeClr val="lt1"/>
+        <a:schemeClr val="dk1"/>
       </a:fontRef>
     </dgm:style>
   </dgm:styleLbl>
@@ -2912,14 +3303,14 @@
       <a:lnRef idx="1">
         <a:scrgbClr r="0" g="0" b="0"/>
       </a:lnRef>
-      <a:fillRef idx="3">
+      <a:fillRef idx="2">
         <a:scrgbClr r="0" g="0" b="0"/>
       </a:fillRef>
-      <a:effectRef idx="2">
+      <a:effectRef idx="1">
         <a:scrgbClr r="0" g="0" b="0"/>
       </a:effectRef>
       <a:fontRef idx="minor">
-        <a:schemeClr val="lt1"/>
+        <a:schemeClr val="dk1"/>
       </a:fontRef>
     </dgm:style>
   </dgm:styleLbl>
@@ -2931,7 +3322,7 @@
     <dgm:sp3d/>
     <dgm:txPr/>
     <dgm:style>
-      <a:lnRef idx="1">
+      <a:lnRef idx="2">
         <a:scrgbClr r="0" g="0" b="0"/>
       </a:lnRef>
       <a:fillRef idx="0">
@@ -2951,7 +3342,7 @@
     <dgm:sp3d/>
     <dgm:txPr/>
     <dgm:style>
-      <a:lnRef idx="1">
+      <a:lnRef idx="2">
         <a:scrgbClr r="0" g="0" b="0"/>
       </a:lnRef>
       <a:fillRef idx="0">
@@ -2971,7 +3362,7 @@
     <dgm:sp3d/>
     <dgm:txPr/>
     <dgm:style>
-      <a:lnRef idx="1">
+      <a:lnRef idx="2">
         <a:scrgbClr r="0" g="0" b="0"/>
       </a:lnRef>
       <a:fillRef idx="0">
@@ -2991,7 +3382,7 @@
     <dgm:sp3d/>
     <dgm:txPr/>
     <dgm:style>
-      <a:lnRef idx="1">
+      <a:lnRef idx="2">
         <a:scrgbClr r="0" g="0" b="0"/>
       </a:lnRef>
       <a:fillRef idx="0">
@@ -3114,7 +3505,7 @@
       <a:lnRef idx="1">
         <a:scrgbClr r="0" g="0" b="0"/>
       </a:lnRef>
-      <a:fillRef idx="1">
+      <a:fillRef idx="2">
         <a:scrgbClr r="0" g="0" b="0"/>
       </a:fillRef>
       <a:effectRef idx="0">
@@ -3317,7 +3708,7 @@
       <a:fillRef idx="1">
         <a:scrgbClr r="0" g="0" b="0"/>
       </a:fillRef>
-      <a:effectRef idx="2">
+      <a:effectRef idx="1">
         <a:scrgbClr r="0" g="0" b="0"/>
       </a:effectRef>
       <a:fontRef idx="minor"/>
@@ -3337,7 +3728,7 @@
       <a:fillRef idx="1">
         <a:scrgbClr r="0" g="0" b="0"/>
       </a:fillRef>
-      <a:effectRef idx="2">
+      <a:effectRef idx="1">
         <a:scrgbClr r="0" g="0" b="0"/>
       </a:effectRef>
       <a:fontRef idx="minor"/>
@@ -3366,18 +3757,20 @@
   <dgm:styleLbl name="fgShp">
     <dgm:scene3d>
       <a:camera prst="orthographicFront"/>
-      <a:lightRig rig="threePt" dir="t"/>
+      <a:lightRig rig="flat" dir="t"/>
     </dgm:scene3d>
-    <dgm:sp3d/>
+    <dgm:sp3d prstMaterial="dkEdge">
+      <a:bevelT w="8200" h="38100"/>
+    </dgm:sp3d>
     <dgm:txPr/>
     <dgm:style>
-      <a:lnRef idx="0">
+      <a:lnRef idx="1">
         <a:scrgbClr r="0" g="0" b="0"/>
       </a:lnRef>
-      <a:fillRef idx="3">
+      <a:fillRef idx="2">
         <a:scrgbClr r="0" g="0" b="0"/>
       </a:fillRef>
-      <a:effectRef idx="2">
+      <a:effectRef idx="1">
         <a:scrgbClr r="0" g="0" b="0"/>
       </a:effectRef>
       <a:fontRef idx="minor"/>
@@ -3587,7 +3980,7 @@
           <a:p>
             <a:fld id="{C340F871-CF62-B942-93BA-281D56756235}" type="datetimeFigureOut">
               <a:rPr lang="en-US" smtClean="0"/>
-              <a:t>10/21/13</a:t>
+              <a:t>10/25/13</a:t>
             </a:fld>
             <a:endParaRPr lang="en-US"/>
           </a:p>
@@ -3757,7 +4150,7 @@
           <a:p>
             <a:fld id="{C340F871-CF62-B942-93BA-281D56756235}" type="datetimeFigureOut">
               <a:rPr lang="en-US" smtClean="0"/>
-              <a:t>10/22/13</a:t>
+              <a:t>10/25/13</a:t>
             </a:fld>
             <a:endParaRPr lang="en-US"/>
           </a:p>
@@ -3937,7 +4330,7 @@
           <a:p>
             <a:fld id="{C340F871-CF62-B942-93BA-281D56756235}" type="datetimeFigureOut">
               <a:rPr lang="en-US" smtClean="0"/>
-              <a:t>10/22/13</a:t>
+              <a:t>10/25/13</a:t>
             </a:fld>
             <a:endParaRPr lang="en-US"/>
           </a:p>
@@ -4107,7 +4500,7 @@
           <a:p>
             <a:fld id="{C340F871-CF62-B942-93BA-281D56756235}" type="datetimeFigureOut">
               <a:rPr lang="en-US" smtClean="0"/>
-              <a:t>10/22/13</a:t>
+              <a:t>10/25/13</a:t>
             </a:fld>
             <a:endParaRPr lang="en-US"/>
           </a:p>
@@ -4353,7 +4746,7 @@
           <a:p>
             <a:fld id="{C340F871-CF62-B942-93BA-281D56756235}" type="datetimeFigureOut">
               <a:rPr lang="en-US" smtClean="0"/>
-              <a:t>10/22/13</a:t>
+              <a:t>10/25/13</a:t>
             </a:fld>
             <a:endParaRPr lang="en-US"/>
           </a:p>
@@ -4641,7 +5034,7 @@
           <a:p>
             <a:fld id="{C340F871-CF62-B942-93BA-281D56756235}" type="datetimeFigureOut">
               <a:rPr lang="en-US" smtClean="0"/>
-              <a:t>10/22/13</a:t>
+              <a:t>10/25/13</a:t>
             </a:fld>
             <a:endParaRPr lang="en-US"/>
           </a:p>
@@ -5063,7 +5456,7 @@
           <a:p>
             <a:fld id="{C340F871-CF62-B942-93BA-281D56756235}" type="datetimeFigureOut">
               <a:rPr lang="en-US" smtClean="0"/>
-              <a:t>10/22/13</a:t>
+              <a:t>10/25/13</a:t>
             </a:fld>
             <a:endParaRPr lang="en-US"/>
           </a:p>
@@ -5181,7 +5574,7 @@
           <a:p>
             <a:fld id="{C340F871-CF62-B942-93BA-281D56756235}" type="datetimeFigureOut">
               <a:rPr lang="en-US" smtClean="0"/>
-              <a:t>10/22/13</a:t>
+              <a:t>10/25/13</a:t>
             </a:fld>
             <a:endParaRPr lang="en-US"/>
           </a:p>
@@ -5276,7 +5669,7 @@
           <a:p>
             <a:fld id="{C340F871-CF62-B942-93BA-281D56756235}" type="datetimeFigureOut">
               <a:rPr lang="en-US" smtClean="0"/>
-              <a:t>10/22/13</a:t>
+              <a:t>10/25/13</a:t>
             </a:fld>
             <a:endParaRPr lang="en-US"/>
           </a:p>
@@ -5553,7 +5946,7 @@
           <a:p>
             <a:fld id="{C340F871-CF62-B942-93BA-281D56756235}" type="datetimeFigureOut">
               <a:rPr lang="en-US" smtClean="0"/>
-              <a:t>10/22/13</a:t>
+              <a:t>10/25/13</a:t>
             </a:fld>
             <a:endParaRPr lang="en-US"/>
           </a:p>
@@ -5806,7 +6199,7 @@
           <a:p>
             <a:fld id="{C340F871-CF62-B942-93BA-281D56756235}" type="datetimeFigureOut">
               <a:rPr lang="en-US" smtClean="0"/>
-              <a:t>10/22/13</a:t>
+              <a:t>10/25/13</a:t>
             </a:fld>
             <a:endParaRPr lang="en-US"/>
           </a:p>
@@ -6019,7 +6412,7 @@
           <a:p>
             <a:fld id="{C340F871-CF62-B942-93BA-281D56756235}" type="datetimeFigureOut">
               <a:rPr lang="en-US" smtClean="0"/>
-              <a:t>10/21/13</a:t>
+              <a:t>10/25/13</a:t>
             </a:fld>
             <a:endParaRPr lang="en-US"/>
           </a:p>
@@ -6401,14 +6794,14 @@
           <p:nvPr>
             <p:extLst>
               <p:ext uri="{D42A27DB-BD31-4B8C-83A1-F6EECF244321}">
-                <p14:modId xmlns:p14="http://schemas.microsoft.com/office/powerpoint/2010/main" val="3835925539"/>
+                <p14:modId xmlns:p14="http://schemas.microsoft.com/office/powerpoint/2010/main" val="1221731162"/>
               </p:ext>
             </p:extLst>
           </p:nvPr>
         </p:nvGraphicFramePr>
         <p:xfrm>
-          <a:off x="107951" y="82551"/>
-          <a:ext cx="8940800" cy="6648450"/>
+          <a:off x="203200" y="82551"/>
+          <a:ext cx="8750300" cy="6648450"/>
         </p:xfrm>
         <a:graphic>
           <a:graphicData uri="http://schemas.openxmlformats.org/drawingml/2006/diagram">
@@ -6426,6 +6819,13 @@
   <p:clrMapOvr>
     <a:masterClrMapping/>
   </p:clrMapOvr>
+  <p:timing>
+    <p:tnLst>
+      <p:par>
+        <p:cTn xmlns:p14="http://schemas.microsoft.com/office/powerpoint/2010/main" id="1" dur="indefinite" restart="never" nodeType="tmRoot"/>
+      </p:par>
+    </p:tnLst>
+  </p:timing>
 </p:sld>
 </file>
 
